--- a/docs/architecture-characteristics-worksheet.pptx
+++ b/docs/architecture-characteristics-worksheet.pptx
@@ -312,6 +312,11 @@
       </a:defRPr>
     </a:lvl9pPr>
   </p:defaultTextStyle>
+  <p:extLst>
+    <p:ext uri="{EFAFB233-063F-42B5-8137-9DF3F51BA10A}">
+      <p15:sldGuideLst xmlns:p15="http://schemas.microsoft.com/office/powerpoint/2012/main"/>
+    </p:ext>
+  </p:extLst>
 </p:presentation>
 </file>
 
@@ -2264,7 +2269,7 @@
           </a:ln>
           <a:extLst>
             <a:ext uri="{C572A759-6A51-4108-AA02-DFA0A04FC94B}">
-              <ma14:wrappingTextBoxFlag xmlns:ma14="http://schemas.microsoft.com/office/mac/drawingml/2011/main" xmlns:a14="http://schemas.microsoft.com/office/drawing/2010/main" xmlns:m="http://schemas.openxmlformats.org/officeDocument/2006/math" xmlns="" val="1"/>
+              <ma14:wrappingTextBoxFlag xmlns="" xmlns:m="http://schemas.openxmlformats.org/officeDocument/2006/math" xmlns:a14="http://schemas.microsoft.com/office/drawing/2010/main" xmlns:ma14="http://schemas.microsoft.com/office/mac/drawingml/2011/main" val="1"/>
             </a:ext>
           </a:extLst>
         </p:spPr>
@@ -2303,7 +2308,7 @@
           </a:ln>
           <a:extLst>
             <a:ext uri="{C572A759-6A51-4108-AA02-DFA0A04FC94B}">
-              <ma14:wrappingTextBoxFlag xmlns:ma14="http://schemas.microsoft.com/office/mac/drawingml/2011/main" xmlns:a14="http://schemas.microsoft.com/office/drawing/2010/main" xmlns:m="http://schemas.openxmlformats.org/officeDocument/2006/math" xmlns="" val="1"/>
+              <ma14:wrappingTextBoxFlag xmlns="" xmlns:m="http://schemas.openxmlformats.org/officeDocument/2006/math" xmlns:a14="http://schemas.microsoft.com/office/drawing/2010/main" xmlns:ma14="http://schemas.microsoft.com/office/mac/drawingml/2011/main" val="1"/>
             </a:ext>
           </a:extLst>
         </p:spPr>
@@ -3235,7 +3240,7 @@
           </a:ln>
           <a:extLst>
             <a:ext uri="{C572A759-6A51-4108-AA02-DFA0A04FC94B}">
-              <ma14:wrappingTextBoxFlag xmlns:ma14="http://schemas.microsoft.com/office/mac/drawingml/2011/main" xmlns:a14="http://schemas.microsoft.com/office/drawing/2010/main" xmlns:m="http://schemas.openxmlformats.org/officeDocument/2006/math" xmlns="" val="1"/>
+              <ma14:wrappingTextBoxFlag xmlns="" xmlns:m="http://schemas.openxmlformats.org/officeDocument/2006/math" xmlns:a14="http://schemas.microsoft.com/office/drawing/2010/main" xmlns:ma14="http://schemas.microsoft.com/office/mac/drawingml/2011/main" val="1"/>
             </a:ext>
           </a:extLst>
         </p:spPr>
@@ -3322,7 +3327,7 @@
           </a:ln>
           <a:extLst>
             <a:ext uri="{C572A759-6A51-4108-AA02-DFA0A04FC94B}">
-              <ma14:wrappingTextBoxFlag xmlns:ma14="http://schemas.microsoft.com/office/mac/drawingml/2011/main" xmlns:a14="http://schemas.microsoft.com/office/drawing/2010/main" xmlns:m="http://schemas.openxmlformats.org/officeDocument/2006/math" xmlns="" val="1"/>
+              <ma14:wrappingTextBoxFlag xmlns="" xmlns:m="http://schemas.openxmlformats.org/officeDocument/2006/math" xmlns:a14="http://schemas.microsoft.com/office/drawing/2010/main" xmlns:ma14="http://schemas.microsoft.com/office/mac/drawingml/2011/main" val="1"/>
             </a:ext>
           </a:extLst>
         </p:spPr>
@@ -3354,8 +3359,8 @@
         </p:nvSpPr>
         <p:spPr>
           <a:xfrm>
-            <a:off x="583957" y="1493165"/>
-            <a:ext cx="3477007" cy="647139"/>
+            <a:off x="583957" y="1488440"/>
+            <a:ext cx="3995966" cy="656590"/>
           </a:xfrm>
           <a:prstGeom prst="rect">
             <a:avLst/>
@@ -3365,7 +3370,7 @@
           </a:ln>
           <a:extLst>
             <a:ext uri="{C572A759-6A51-4108-AA02-DFA0A04FC94B}">
-              <ma14:wrappingTextBoxFlag xmlns:ma14="http://schemas.microsoft.com/office/mac/drawingml/2011/main" xmlns:a14="http://schemas.microsoft.com/office/drawing/2010/main" xmlns:m="http://schemas.openxmlformats.org/officeDocument/2006/math" xmlns="" val="1"/>
+              <ma14:wrappingTextBoxFlag xmlns="" xmlns:m="http://schemas.openxmlformats.org/officeDocument/2006/math" xmlns:a14="http://schemas.microsoft.com/office/drawing/2010/main" xmlns:ma14="http://schemas.microsoft.com/office/mac/drawingml/2011/main" val="1"/>
             </a:ext>
           </a:extLst>
         </p:spPr>
@@ -3388,8 +3393,14 @@
           </a:lstStyle>
           <a:p>
             <a:r>
+              <a:rPr dirty="0"/>
               <a:t>System/Project:</a:t>
             </a:r>
+            <a:r>
+              <a:rPr lang="en-US" dirty="0"/>
+              <a:t>	</a:t>
+            </a:r>
+            <a:endParaRPr dirty="0"/>
           </a:p>
         </p:txBody>
       </p:sp>
@@ -3452,7 +3463,7 @@
           </a:ln>
           <a:extLst>
             <a:ext uri="{C572A759-6A51-4108-AA02-DFA0A04FC94B}">
-              <ma14:wrappingTextBoxFlag xmlns:ma14="http://schemas.microsoft.com/office/mac/drawingml/2011/main" xmlns:a14="http://schemas.microsoft.com/office/drawing/2010/main" xmlns:m="http://schemas.openxmlformats.org/officeDocument/2006/math" xmlns="" val="1"/>
+              <ma14:wrappingTextBoxFlag xmlns="" xmlns:m="http://schemas.openxmlformats.org/officeDocument/2006/math" xmlns:a14="http://schemas.microsoft.com/office/drawing/2010/main" xmlns:ma14="http://schemas.microsoft.com/office/mac/drawingml/2011/main" val="1"/>
             </a:ext>
           </a:extLst>
         </p:spPr>
@@ -3475,6 +3486,7 @@
           </a:lstStyle>
           <a:p>
             <a:r>
+              <a:rPr dirty="0"/>
               <a:t>Date:</a:t>
             </a:r>
           </a:p>
@@ -3539,7 +3551,7 @@
           </a:ln>
           <a:extLst>
             <a:ext uri="{C572A759-6A51-4108-AA02-DFA0A04FC94B}">
-              <ma14:wrappingTextBoxFlag xmlns:ma14="http://schemas.microsoft.com/office/mac/drawingml/2011/main" xmlns:a14="http://schemas.microsoft.com/office/drawing/2010/main" xmlns:m="http://schemas.openxmlformats.org/officeDocument/2006/math" xmlns="" val="1"/>
+              <ma14:wrappingTextBoxFlag xmlns="" xmlns:m="http://schemas.openxmlformats.org/officeDocument/2006/math" xmlns:a14="http://schemas.microsoft.com/office/drawing/2010/main" xmlns:ma14="http://schemas.microsoft.com/office/mac/drawingml/2011/main" val="1"/>
             </a:ext>
           </a:extLst>
         </p:spPr>
@@ -3666,7 +3678,7 @@
           </a:ln>
           <a:extLst>
             <a:ext uri="{C572A759-6A51-4108-AA02-DFA0A04FC94B}">
-              <ma14:wrappingTextBoxFlag xmlns:ma14="http://schemas.microsoft.com/office/mac/drawingml/2011/main" xmlns:a14="http://schemas.microsoft.com/office/drawing/2010/main" xmlns:m="http://schemas.openxmlformats.org/officeDocument/2006/math" xmlns="" val="1"/>
+              <ma14:wrappingTextBoxFlag xmlns="" xmlns:m="http://schemas.openxmlformats.org/officeDocument/2006/math" xmlns:a14="http://schemas.microsoft.com/office/drawing/2010/main" xmlns:ma14="http://schemas.microsoft.com/office/mac/drawingml/2011/main" val="1"/>
             </a:ext>
           </a:extLst>
         </p:spPr>
@@ -3949,7 +3961,7 @@
           </a:ln>
           <a:extLst>
             <a:ext uri="{C572A759-6A51-4108-AA02-DFA0A04FC94B}">
-              <ma14:wrappingTextBoxFlag xmlns:ma14="http://schemas.microsoft.com/office/mac/drawingml/2011/main" xmlns:a14="http://schemas.microsoft.com/office/drawing/2010/main" xmlns:m="http://schemas.openxmlformats.org/officeDocument/2006/math" xmlns="" val="1"/>
+              <ma14:wrappingTextBoxFlag xmlns="" xmlns:m="http://schemas.openxmlformats.org/officeDocument/2006/math" xmlns:a14="http://schemas.microsoft.com/office/drawing/2010/main" xmlns:ma14="http://schemas.microsoft.com/office/mac/drawingml/2011/main" val="1"/>
             </a:ext>
           </a:extLst>
         </p:spPr>
@@ -4333,7 +4345,7 @@
           </a:ln>
           <a:extLst>
             <a:ext uri="{C572A759-6A51-4108-AA02-DFA0A04FC94B}">
-              <ma14:wrappingTextBoxFlag xmlns:ma14="http://schemas.microsoft.com/office/mac/drawingml/2011/main" xmlns:a14="http://schemas.microsoft.com/office/drawing/2010/main" xmlns:m="http://schemas.openxmlformats.org/officeDocument/2006/math" xmlns="" val="1"/>
+              <ma14:wrappingTextBoxFlag xmlns="" xmlns:m="http://schemas.openxmlformats.org/officeDocument/2006/math" xmlns:a14="http://schemas.microsoft.com/office/drawing/2010/main" xmlns:ma14="http://schemas.microsoft.com/office/mac/drawingml/2011/main" val="1"/>
             </a:ext>
           </a:extLst>
         </p:spPr>
@@ -4460,7 +4472,7 @@
           </a:ln>
           <a:extLst>
             <a:ext uri="{C572A759-6A51-4108-AA02-DFA0A04FC94B}">
-              <ma14:wrappingTextBoxFlag xmlns:ma14="http://schemas.microsoft.com/office/mac/drawingml/2011/main" xmlns:a14="http://schemas.microsoft.com/office/drawing/2010/main" xmlns:m="http://schemas.openxmlformats.org/officeDocument/2006/math" xmlns="" val="1"/>
+              <ma14:wrappingTextBoxFlag xmlns="" xmlns:m="http://schemas.openxmlformats.org/officeDocument/2006/math" xmlns:a14="http://schemas.microsoft.com/office/drawing/2010/main" xmlns:ma14="http://schemas.microsoft.com/office/mac/drawingml/2011/main" val="1"/>
             </a:ext>
           </a:extLst>
         </p:spPr>
@@ -4503,7 +4515,7 @@
           </a:ln>
           <a:extLst>
             <a:ext uri="{C572A759-6A51-4108-AA02-DFA0A04FC94B}">
-              <ma14:wrappingTextBoxFlag xmlns:ma14="http://schemas.microsoft.com/office/mac/drawingml/2011/main" xmlns:a14="http://schemas.microsoft.com/office/drawing/2010/main" xmlns:m="http://schemas.openxmlformats.org/officeDocument/2006/math" xmlns="" val="1"/>
+              <ma14:wrappingTextBoxFlag xmlns="" xmlns:m="http://schemas.openxmlformats.org/officeDocument/2006/math" xmlns:a14="http://schemas.microsoft.com/office/drawing/2010/main" xmlns:ma14="http://schemas.microsoft.com/office/mac/drawingml/2011/main" val="1"/>
             </a:ext>
           </a:extLst>
         </p:spPr>
@@ -4586,7 +4598,7 @@
           </a:ln>
           <a:extLst>
             <a:ext uri="{C572A759-6A51-4108-AA02-DFA0A04FC94B}">
-              <ma14:wrappingTextBoxFlag xmlns:ma14="http://schemas.microsoft.com/office/mac/drawingml/2011/main" xmlns:a14="http://schemas.microsoft.com/office/drawing/2010/main" xmlns:m="http://schemas.openxmlformats.org/officeDocument/2006/math" xmlns="" val="1"/>
+              <ma14:wrappingTextBoxFlag xmlns="" xmlns:m="http://schemas.openxmlformats.org/officeDocument/2006/math" xmlns:a14="http://schemas.microsoft.com/office/drawing/2010/main" xmlns:ma14="http://schemas.microsoft.com/office/mac/drawingml/2011/main" val="1"/>
             </a:ext>
           </a:extLst>
         </p:spPr>
@@ -4793,7 +4805,7 @@
           </a:ln>
           <a:extLst>
             <a:ext uri="{C572A759-6A51-4108-AA02-DFA0A04FC94B}">
-              <ma14:wrappingTextBoxFlag xmlns:ma14="http://schemas.microsoft.com/office/mac/drawingml/2011/main" xmlns:a14="http://schemas.microsoft.com/office/drawing/2010/main" xmlns:m="http://schemas.openxmlformats.org/officeDocument/2006/math" xmlns="" val="1"/>
+              <ma14:wrappingTextBoxFlag xmlns="" xmlns:m="http://schemas.openxmlformats.org/officeDocument/2006/math" xmlns:a14="http://schemas.microsoft.com/office/drawing/2010/main" xmlns:ma14="http://schemas.microsoft.com/office/mac/drawingml/2011/main" val="1"/>
             </a:ext>
           </a:extLst>
         </p:spPr>
@@ -4922,7 +4934,7 @@
           </a:ln>
           <a:extLst>
             <a:ext uri="{C572A759-6A51-4108-AA02-DFA0A04FC94B}">
-              <ma14:wrappingTextBoxFlag xmlns:ma14="http://schemas.microsoft.com/office/mac/drawingml/2011/main" xmlns:a14="http://schemas.microsoft.com/office/drawing/2010/main" xmlns:m="http://schemas.openxmlformats.org/officeDocument/2006/math" xmlns="" val="1"/>
+              <ma14:wrappingTextBoxFlag xmlns="" xmlns:m="http://schemas.openxmlformats.org/officeDocument/2006/math" xmlns:a14="http://schemas.microsoft.com/office/drawing/2010/main" xmlns:ma14="http://schemas.microsoft.com/office/mac/drawingml/2011/main" val="1"/>
             </a:ext>
           </a:extLst>
         </p:spPr>
@@ -4965,7 +4977,7 @@
           </a:ln>
           <a:extLst>
             <a:ext uri="{C572A759-6A51-4108-AA02-DFA0A04FC94B}">
-              <ma14:wrappingTextBoxFlag xmlns:ma14="http://schemas.microsoft.com/office/mac/drawingml/2011/main" xmlns:a14="http://schemas.microsoft.com/office/drawing/2010/main" xmlns:m="http://schemas.openxmlformats.org/officeDocument/2006/math" xmlns="" val="1"/>
+              <ma14:wrappingTextBoxFlag xmlns="" xmlns:m="http://schemas.openxmlformats.org/officeDocument/2006/math" xmlns:a14="http://schemas.microsoft.com/office/drawing/2010/main" xmlns:ma14="http://schemas.microsoft.com/office/mac/drawingml/2011/main" val="1"/>
             </a:ext>
           </a:extLst>
         </p:spPr>
@@ -5008,7 +5020,7 @@
           </a:ln>
           <a:extLst>
             <a:ext uri="{C572A759-6A51-4108-AA02-DFA0A04FC94B}">
-              <ma14:wrappingTextBoxFlag xmlns:ma14="http://schemas.microsoft.com/office/mac/drawingml/2011/main" xmlns:a14="http://schemas.microsoft.com/office/drawing/2010/main" xmlns:m="http://schemas.openxmlformats.org/officeDocument/2006/math" xmlns="" val="1"/>
+              <ma14:wrappingTextBoxFlag xmlns="" xmlns:m="http://schemas.openxmlformats.org/officeDocument/2006/math" xmlns:a14="http://schemas.microsoft.com/office/drawing/2010/main" xmlns:ma14="http://schemas.microsoft.com/office/mac/drawingml/2011/main" val="1"/>
             </a:ext>
           </a:extLst>
         </p:spPr>
@@ -5051,7 +5063,7 @@
           </a:ln>
           <a:extLst>
             <a:ext uri="{C572A759-6A51-4108-AA02-DFA0A04FC94B}">
-              <ma14:wrappingTextBoxFlag xmlns:ma14="http://schemas.microsoft.com/office/mac/drawingml/2011/main" xmlns:a14="http://schemas.microsoft.com/office/drawing/2010/main" xmlns:m="http://schemas.openxmlformats.org/officeDocument/2006/math" xmlns="" val="1"/>
+              <ma14:wrappingTextBoxFlag xmlns="" xmlns:m="http://schemas.openxmlformats.org/officeDocument/2006/math" xmlns:a14="http://schemas.microsoft.com/office/drawing/2010/main" xmlns:ma14="http://schemas.microsoft.com/office/mac/drawingml/2011/main" val="1"/>
             </a:ext>
           </a:extLst>
         </p:spPr>
@@ -5098,7 +5110,7 @@
           </a:ln>
           <a:extLst>
             <a:ext uri="{C572A759-6A51-4108-AA02-DFA0A04FC94B}">
-              <ma14:wrappingTextBoxFlag xmlns:ma14="http://schemas.microsoft.com/office/mac/drawingml/2011/main" xmlns:a14="http://schemas.microsoft.com/office/drawing/2010/main" xmlns:m="http://schemas.openxmlformats.org/officeDocument/2006/math" xmlns="" val="1"/>
+              <ma14:wrappingTextBoxFlag xmlns="" xmlns:m="http://schemas.openxmlformats.org/officeDocument/2006/math" xmlns:a14="http://schemas.microsoft.com/office/drawing/2010/main" xmlns:ma14="http://schemas.microsoft.com/office/mac/drawingml/2011/main" val="1"/>
             </a:ext>
           </a:extLst>
         </p:spPr>
@@ -5141,7 +5153,7 @@
           </a:ln>
           <a:extLst>
             <a:ext uri="{C572A759-6A51-4108-AA02-DFA0A04FC94B}">
-              <ma14:wrappingTextBoxFlag xmlns:ma14="http://schemas.microsoft.com/office/mac/drawingml/2011/main" xmlns:a14="http://schemas.microsoft.com/office/drawing/2010/main" xmlns:m="http://schemas.openxmlformats.org/officeDocument/2006/math" xmlns="" val="1"/>
+              <ma14:wrappingTextBoxFlag xmlns="" xmlns:m="http://schemas.openxmlformats.org/officeDocument/2006/math" xmlns:a14="http://schemas.microsoft.com/office/drawing/2010/main" xmlns:ma14="http://schemas.microsoft.com/office/mac/drawingml/2011/main" val="1"/>
             </a:ext>
           </a:extLst>
         </p:spPr>
@@ -5184,7 +5196,7 @@
           </a:ln>
           <a:extLst>
             <a:ext uri="{C572A759-6A51-4108-AA02-DFA0A04FC94B}">
-              <ma14:wrappingTextBoxFlag xmlns:ma14="http://schemas.microsoft.com/office/mac/drawingml/2011/main" xmlns:a14="http://schemas.microsoft.com/office/drawing/2010/main" xmlns:m="http://schemas.openxmlformats.org/officeDocument/2006/math" xmlns="" val="1"/>
+              <ma14:wrappingTextBoxFlag xmlns="" xmlns:m="http://schemas.openxmlformats.org/officeDocument/2006/math" xmlns:a14="http://schemas.microsoft.com/office/drawing/2010/main" xmlns:ma14="http://schemas.microsoft.com/office/mac/drawingml/2011/main" val="1"/>
             </a:ext>
           </a:extLst>
         </p:spPr>
@@ -5227,7 +5239,7 @@
           </a:ln>
           <a:extLst>
             <a:ext uri="{C572A759-6A51-4108-AA02-DFA0A04FC94B}">
-              <ma14:wrappingTextBoxFlag xmlns:ma14="http://schemas.microsoft.com/office/mac/drawingml/2011/main" xmlns:a14="http://schemas.microsoft.com/office/drawing/2010/main" xmlns:m="http://schemas.openxmlformats.org/officeDocument/2006/math" xmlns="" val="1"/>
+              <ma14:wrappingTextBoxFlag xmlns="" xmlns:m="http://schemas.openxmlformats.org/officeDocument/2006/math" xmlns:a14="http://schemas.microsoft.com/office/drawing/2010/main" xmlns:ma14="http://schemas.microsoft.com/office/mac/drawingml/2011/main" val="1"/>
             </a:ext>
           </a:extLst>
         </p:spPr>
@@ -5270,7 +5282,7 @@
           </a:ln>
           <a:extLst>
             <a:ext uri="{C572A759-6A51-4108-AA02-DFA0A04FC94B}">
-              <ma14:wrappingTextBoxFlag xmlns:ma14="http://schemas.microsoft.com/office/mac/drawingml/2011/main" xmlns:a14="http://schemas.microsoft.com/office/drawing/2010/main" xmlns:m="http://schemas.openxmlformats.org/officeDocument/2006/math" xmlns="" val="1"/>
+              <ma14:wrappingTextBoxFlag xmlns="" xmlns:m="http://schemas.openxmlformats.org/officeDocument/2006/math" xmlns:a14="http://schemas.microsoft.com/office/drawing/2010/main" xmlns:ma14="http://schemas.microsoft.com/office/mac/drawingml/2011/main" val="1"/>
             </a:ext>
           </a:extLst>
         </p:spPr>
@@ -5313,7 +5325,7 @@
           </a:ln>
           <a:extLst>
             <a:ext uri="{C572A759-6A51-4108-AA02-DFA0A04FC94B}">
-              <ma14:wrappingTextBoxFlag xmlns:ma14="http://schemas.microsoft.com/office/mac/drawingml/2011/main" xmlns:a14="http://schemas.microsoft.com/office/drawing/2010/main" xmlns:m="http://schemas.openxmlformats.org/officeDocument/2006/math" xmlns="" val="1"/>
+              <ma14:wrappingTextBoxFlag xmlns="" xmlns:m="http://schemas.openxmlformats.org/officeDocument/2006/math" xmlns:a14="http://schemas.microsoft.com/office/drawing/2010/main" xmlns:ma14="http://schemas.microsoft.com/office/mac/drawingml/2011/main" val="1"/>
             </a:ext>
           </a:extLst>
         </p:spPr>
@@ -5356,7 +5368,7 @@
           </a:ln>
           <a:extLst>
             <a:ext uri="{C572A759-6A51-4108-AA02-DFA0A04FC94B}">
-              <ma14:wrappingTextBoxFlag xmlns:ma14="http://schemas.microsoft.com/office/mac/drawingml/2011/main" xmlns:a14="http://schemas.microsoft.com/office/drawing/2010/main" xmlns:m="http://schemas.openxmlformats.org/officeDocument/2006/math" xmlns="" val="1"/>
+              <ma14:wrappingTextBoxFlag xmlns="" xmlns:m="http://schemas.openxmlformats.org/officeDocument/2006/math" xmlns:a14="http://schemas.microsoft.com/office/drawing/2010/main" xmlns:ma14="http://schemas.microsoft.com/office/mac/drawingml/2011/main" val="1"/>
             </a:ext>
           </a:extLst>
         </p:spPr>
@@ -5399,7 +5411,7 @@
           </a:ln>
           <a:extLst>
             <a:ext uri="{C572A759-6A51-4108-AA02-DFA0A04FC94B}">
-              <ma14:wrappingTextBoxFlag xmlns:ma14="http://schemas.microsoft.com/office/mac/drawingml/2011/main" xmlns:a14="http://schemas.microsoft.com/office/drawing/2010/main" xmlns:m="http://schemas.openxmlformats.org/officeDocument/2006/math" xmlns="" val="1"/>
+              <ma14:wrappingTextBoxFlag xmlns="" xmlns:m="http://schemas.openxmlformats.org/officeDocument/2006/math" xmlns:a14="http://schemas.microsoft.com/office/drawing/2010/main" xmlns:ma14="http://schemas.microsoft.com/office/mac/drawingml/2011/main" val="1"/>
             </a:ext>
           </a:extLst>
         </p:spPr>
@@ -5442,7 +5454,7 @@
           </a:ln>
           <a:extLst>
             <a:ext uri="{C572A759-6A51-4108-AA02-DFA0A04FC94B}">
-              <ma14:wrappingTextBoxFlag xmlns:ma14="http://schemas.microsoft.com/office/mac/drawingml/2011/main" xmlns:a14="http://schemas.microsoft.com/office/drawing/2010/main" xmlns:m="http://schemas.openxmlformats.org/officeDocument/2006/math" xmlns="" val="1"/>
+              <ma14:wrappingTextBoxFlag xmlns="" xmlns:m="http://schemas.openxmlformats.org/officeDocument/2006/math" xmlns:a14="http://schemas.microsoft.com/office/drawing/2010/main" xmlns:ma14="http://schemas.microsoft.com/office/mac/drawingml/2011/main" val="1"/>
             </a:ext>
           </a:extLst>
         </p:spPr>
@@ -5485,7 +5497,7 @@
           </a:ln>
           <a:extLst>
             <a:ext uri="{C572A759-6A51-4108-AA02-DFA0A04FC94B}">
-              <ma14:wrappingTextBoxFlag xmlns:ma14="http://schemas.microsoft.com/office/mac/drawingml/2011/main" xmlns:a14="http://schemas.microsoft.com/office/drawing/2010/main" xmlns:m="http://schemas.openxmlformats.org/officeDocument/2006/math" xmlns="" val="1"/>
+              <ma14:wrappingTextBoxFlag xmlns="" xmlns:m="http://schemas.openxmlformats.org/officeDocument/2006/math" xmlns:a14="http://schemas.microsoft.com/office/drawing/2010/main" xmlns:ma14="http://schemas.microsoft.com/office/mac/drawingml/2011/main" val="1"/>
             </a:ext>
           </a:extLst>
         </p:spPr>
@@ -5528,7 +5540,7 @@
           </a:ln>
           <a:extLst>
             <a:ext uri="{C572A759-6A51-4108-AA02-DFA0A04FC94B}">
-              <ma14:wrappingTextBoxFlag xmlns:ma14="http://schemas.microsoft.com/office/mac/drawingml/2011/main" xmlns:a14="http://schemas.microsoft.com/office/drawing/2010/main" xmlns:m="http://schemas.openxmlformats.org/officeDocument/2006/math" xmlns="" val="1"/>
+              <ma14:wrappingTextBoxFlag xmlns="" xmlns:m="http://schemas.openxmlformats.org/officeDocument/2006/math" xmlns:a14="http://schemas.microsoft.com/office/drawing/2010/main" xmlns:ma14="http://schemas.microsoft.com/office/mac/drawingml/2011/main" val="1"/>
             </a:ext>
           </a:extLst>
         </p:spPr>
@@ -5571,7 +5583,7 @@
           </a:ln>
           <a:extLst>
             <a:ext uri="{C572A759-6A51-4108-AA02-DFA0A04FC94B}">
-              <ma14:wrappingTextBoxFlag xmlns:ma14="http://schemas.microsoft.com/office/mac/drawingml/2011/main" xmlns:a14="http://schemas.microsoft.com/office/drawing/2010/main" xmlns:m="http://schemas.openxmlformats.org/officeDocument/2006/math" xmlns="" val="1"/>
+              <ma14:wrappingTextBoxFlag xmlns="" xmlns:m="http://schemas.openxmlformats.org/officeDocument/2006/math" xmlns:a14="http://schemas.microsoft.com/office/drawing/2010/main" xmlns:ma14="http://schemas.microsoft.com/office/mac/drawingml/2011/main" val="1"/>
             </a:ext>
           </a:extLst>
         </p:spPr>
@@ -5614,7 +5626,7 @@
           </a:ln>
           <a:extLst>
             <a:ext uri="{C572A759-6A51-4108-AA02-DFA0A04FC94B}">
-              <ma14:wrappingTextBoxFlag xmlns:ma14="http://schemas.microsoft.com/office/mac/drawingml/2011/main" xmlns:a14="http://schemas.microsoft.com/office/drawing/2010/main" xmlns:m="http://schemas.openxmlformats.org/officeDocument/2006/math" xmlns="" val="1"/>
+              <ma14:wrappingTextBoxFlag xmlns="" xmlns:m="http://schemas.openxmlformats.org/officeDocument/2006/math" xmlns:a14="http://schemas.microsoft.com/office/drawing/2010/main" xmlns:ma14="http://schemas.microsoft.com/office/mac/drawingml/2011/main" val="1"/>
             </a:ext>
           </a:extLst>
         </p:spPr>
@@ -5657,7 +5669,7 @@
           </a:ln>
           <a:extLst>
             <a:ext uri="{C572A759-6A51-4108-AA02-DFA0A04FC94B}">
-              <ma14:wrappingTextBoxFlag xmlns:ma14="http://schemas.microsoft.com/office/mac/drawingml/2011/main" xmlns:a14="http://schemas.microsoft.com/office/drawing/2010/main" xmlns:m="http://schemas.openxmlformats.org/officeDocument/2006/math" xmlns="" val="1"/>
+              <ma14:wrappingTextBoxFlag xmlns="" xmlns:m="http://schemas.openxmlformats.org/officeDocument/2006/math" xmlns:a14="http://schemas.microsoft.com/office/drawing/2010/main" xmlns:ma14="http://schemas.microsoft.com/office/mac/drawingml/2011/main" val="1"/>
             </a:ext>
           </a:extLst>
         </p:spPr>
@@ -5700,7 +5712,7 @@
           </a:ln>
           <a:extLst>
             <a:ext uri="{C572A759-6A51-4108-AA02-DFA0A04FC94B}">
-              <ma14:wrappingTextBoxFlag xmlns:ma14="http://schemas.microsoft.com/office/mac/drawingml/2011/main" xmlns:a14="http://schemas.microsoft.com/office/drawing/2010/main" xmlns:m="http://schemas.openxmlformats.org/officeDocument/2006/math" xmlns="" val="1"/>
+              <ma14:wrappingTextBoxFlag xmlns="" xmlns:m="http://schemas.openxmlformats.org/officeDocument/2006/math" xmlns:a14="http://schemas.microsoft.com/office/drawing/2010/main" xmlns:ma14="http://schemas.microsoft.com/office/mac/drawingml/2011/main" val="1"/>
             </a:ext>
           </a:extLst>
         </p:spPr>
@@ -5743,7 +5755,7 @@
           </a:ln>
           <a:extLst>
             <a:ext uri="{C572A759-6A51-4108-AA02-DFA0A04FC94B}">
-              <ma14:wrappingTextBoxFlag xmlns:ma14="http://schemas.microsoft.com/office/mac/drawingml/2011/main" xmlns:a14="http://schemas.microsoft.com/office/drawing/2010/main" xmlns:m="http://schemas.openxmlformats.org/officeDocument/2006/math" xmlns="" val="1"/>
+              <ma14:wrappingTextBoxFlag xmlns="" xmlns:m="http://schemas.openxmlformats.org/officeDocument/2006/math" xmlns:a14="http://schemas.microsoft.com/office/drawing/2010/main" xmlns:ma14="http://schemas.microsoft.com/office/mac/drawingml/2011/main" val="1"/>
             </a:ext>
           </a:extLst>
         </p:spPr>
@@ -5786,7 +5798,7 @@
           </a:ln>
           <a:extLst>
             <a:ext uri="{C572A759-6A51-4108-AA02-DFA0A04FC94B}">
-              <ma14:wrappingTextBoxFlag xmlns:ma14="http://schemas.microsoft.com/office/mac/drawingml/2011/main" xmlns:a14="http://schemas.microsoft.com/office/drawing/2010/main" xmlns:m="http://schemas.openxmlformats.org/officeDocument/2006/math" xmlns="" val="1"/>
+              <ma14:wrappingTextBoxFlag xmlns="" xmlns:m="http://schemas.openxmlformats.org/officeDocument/2006/math" xmlns:a14="http://schemas.microsoft.com/office/drawing/2010/main" xmlns:ma14="http://schemas.microsoft.com/office/mac/drawingml/2011/main" val="1"/>
             </a:ext>
           </a:extLst>
         </p:spPr>
@@ -5829,7 +5841,7 @@
           </a:ln>
           <a:extLst>
             <a:ext uri="{C572A759-6A51-4108-AA02-DFA0A04FC94B}">
-              <ma14:wrappingTextBoxFlag xmlns:ma14="http://schemas.microsoft.com/office/mac/drawingml/2011/main" xmlns:a14="http://schemas.microsoft.com/office/drawing/2010/main" xmlns:m="http://schemas.openxmlformats.org/officeDocument/2006/math" xmlns="" val="1"/>
+              <ma14:wrappingTextBoxFlag xmlns="" xmlns:m="http://schemas.openxmlformats.org/officeDocument/2006/math" xmlns:a14="http://schemas.microsoft.com/office/drawing/2010/main" xmlns:ma14="http://schemas.microsoft.com/office/mac/drawingml/2011/main" val="1"/>
             </a:ext>
           </a:extLst>
         </p:spPr>
@@ -6089,7 +6101,7 @@
             <a:effectLst/>
             <a:extLst>
               <a:ext uri="{C572A759-6A51-4108-AA02-DFA0A04FC94B}">
-                <ma14:wrappingTextBoxFlag xmlns:ma14="http://schemas.microsoft.com/office/mac/drawingml/2011/main" xmlns:a14="http://schemas.microsoft.com/office/drawing/2010/main" xmlns:m="http://schemas.openxmlformats.org/officeDocument/2006/math" xmlns="" val="1"/>
+                <ma14:wrappingTextBoxFlag xmlns="" xmlns:m="http://schemas.openxmlformats.org/officeDocument/2006/math" xmlns:a14="http://schemas.microsoft.com/office/drawing/2010/main" xmlns:ma14="http://schemas.microsoft.com/office/mac/drawingml/2011/main" val="1"/>
               </a:ext>
             </a:extLst>
           </p:spPr>
@@ -6135,7 +6147,7 @@
             <a:effectLst/>
             <a:extLst>
               <a:ext uri="{C572A759-6A51-4108-AA02-DFA0A04FC94B}">
-                <ma14:wrappingTextBoxFlag xmlns:ma14="http://schemas.microsoft.com/office/mac/drawingml/2011/main" xmlns:a14="http://schemas.microsoft.com/office/drawing/2010/main" xmlns:m="http://schemas.openxmlformats.org/officeDocument/2006/math" xmlns="" val="1"/>
+                <ma14:wrappingTextBoxFlag xmlns="" xmlns:m="http://schemas.openxmlformats.org/officeDocument/2006/math" xmlns:a14="http://schemas.microsoft.com/office/drawing/2010/main" xmlns:ma14="http://schemas.microsoft.com/office/mac/drawingml/2011/main" val="1"/>
               </a:ext>
             </a:extLst>
           </p:spPr>
@@ -6181,7 +6193,7 @@
             <a:effectLst/>
             <a:extLst>
               <a:ext uri="{C572A759-6A51-4108-AA02-DFA0A04FC94B}">
-                <ma14:wrappingTextBoxFlag xmlns:ma14="http://schemas.microsoft.com/office/mac/drawingml/2011/main" xmlns:a14="http://schemas.microsoft.com/office/drawing/2010/main" xmlns:m="http://schemas.openxmlformats.org/officeDocument/2006/math" xmlns="" val="1"/>
+                <ma14:wrappingTextBoxFlag xmlns="" xmlns:m="http://schemas.openxmlformats.org/officeDocument/2006/math" xmlns:a14="http://schemas.microsoft.com/office/drawing/2010/main" xmlns:ma14="http://schemas.microsoft.com/office/mac/drawingml/2011/main" val="1"/>
               </a:ext>
             </a:extLst>
           </p:spPr>
@@ -6350,7 +6362,7 @@
           </a:ln>
           <a:extLst>
             <a:ext uri="{C572A759-6A51-4108-AA02-DFA0A04FC94B}">
-              <ma14:wrappingTextBoxFlag xmlns:ma14="http://schemas.microsoft.com/office/mac/drawingml/2011/main" xmlns:a14="http://schemas.microsoft.com/office/drawing/2010/main" xmlns:m="http://schemas.openxmlformats.org/officeDocument/2006/math" xmlns="" val="1"/>
+              <ma14:wrappingTextBoxFlag xmlns="" xmlns:m="http://schemas.openxmlformats.org/officeDocument/2006/math" xmlns:a14="http://schemas.microsoft.com/office/drawing/2010/main" xmlns:ma14="http://schemas.microsoft.com/office/mac/drawingml/2011/main" val="1"/>
             </a:ext>
           </a:extLst>
         </p:spPr>
@@ -6373,6 +6385,7 @@
           </a:lstStyle>
           <a:p>
             <a:r>
+              <a:rPr dirty="0"/>
               <a:t>Domain/Quantum:</a:t>
             </a:r>
           </a:p>
@@ -6437,7 +6450,7 @@
           </a:ln>
           <a:extLst>
             <a:ext uri="{C572A759-6A51-4108-AA02-DFA0A04FC94B}">
-              <ma14:wrappingTextBoxFlag xmlns:ma14="http://schemas.microsoft.com/office/mac/drawingml/2011/main" xmlns:a14="http://schemas.microsoft.com/office/drawing/2010/main" xmlns:m="http://schemas.openxmlformats.org/officeDocument/2006/math" xmlns="" val="1"/>
+              <ma14:wrappingTextBoxFlag xmlns="" xmlns:m="http://schemas.openxmlformats.org/officeDocument/2006/math" xmlns:a14="http://schemas.microsoft.com/office/drawing/2010/main" xmlns:ma14="http://schemas.microsoft.com/office/mac/drawingml/2011/main" val="1"/>
             </a:ext>
           </a:extLst>
         </p:spPr>
@@ -6564,7 +6577,7 @@
           </a:ln>
           <a:extLst>
             <a:ext uri="{C572A759-6A51-4108-AA02-DFA0A04FC94B}">
-              <ma14:wrappingTextBoxFlag xmlns:ma14="http://schemas.microsoft.com/office/mac/drawingml/2011/main" xmlns:a14="http://schemas.microsoft.com/office/drawing/2010/main" xmlns:m="http://schemas.openxmlformats.org/officeDocument/2006/math" xmlns="" val="1"/>
+              <ma14:wrappingTextBoxFlag xmlns="" xmlns:m="http://schemas.openxmlformats.org/officeDocument/2006/math" xmlns:a14="http://schemas.microsoft.com/office/drawing/2010/main" xmlns:ma14="http://schemas.microsoft.com/office/mac/drawingml/2011/main" val="1"/>
             </a:ext>
           </a:extLst>
         </p:spPr>
@@ -6611,7 +6624,7 @@
           </a:ln>
           <a:extLst>
             <a:ext uri="{C572A759-6A51-4108-AA02-DFA0A04FC94B}">
-              <ma14:wrappingTextBoxFlag xmlns:ma14="http://schemas.microsoft.com/office/mac/drawingml/2011/main" xmlns:a14="http://schemas.microsoft.com/office/drawing/2010/main" xmlns:m="http://schemas.openxmlformats.org/officeDocument/2006/math" xmlns="" val="1"/>
+              <ma14:wrappingTextBoxFlag xmlns="" xmlns:m="http://schemas.openxmlformats.org/officeDocument/2006/math" xmlns:a14="http://schemas.microsoft.com/office/drawing/2010/main" xmlns:ma14="http://schemas.microsoft.com/office/mac/drawingml/2011/main" val="1"/>
             </a:ext>
           </a:extLst>
         </p:spPr>
@@ -6654,7 +6667,7 @@
           </a:ln>
           <a:extLst>
             <a:ext uri="{C572A759-6A51-4108-AA02-DFA0A04FC94B}">
-              <ma14:wrappingTextBoxFlag xmlns:ma14="http://schemas.microsoft.com/office/mac/drawingml/2011/main" xmlns:a14="http://schemas.microsoft.com/office/drawing/2010/main" xmlns:m="http://schemas.openxmlformats.org/officeDocument/2006/math" xmlns="" val="1"/>
+              <ma14:wrappingTextBoxFlag xmlns="" xmlns:m="http://schemas.openxmlformats.org/officeDocument/2006/math" xmlns:a14="http://schemas.microsoft.com/office/drawing/2010/main" xmlns:ma14="http://schemas.microsoft.com/office/mac/drawingml/2011/main" val="1"/>
             </a:ext>
           </a:extLst>
         </p:spPr>
@@ -6708,7 +6721,7 @@
           </a:ln>
           <a:extLst>
             <a:ext uri="{C572A759-6A51-4108-AA02-DFA0A04FC94B}">
-              <ma14:wrappingTextBoxFlag xmlns:ma14="http://schemas.microsoft.com/office/mac/drawingml/2011/main" xmlns:a14="http://schemas.microsoft.com/office/drawing/2010/main" xmlns:m="http://schemas.openxmlformats.org/officeDocument/2006/math" xmlns="" val="1"/>
+              <ma14:wrappingTextBoxFlag xmlns="" xmlns:m="http://schemas.openxmlformats.org/officeDocument/2006/math" xmlns:a14="http://schemas.microsoft.com/office/drawing/2010/main" xmlns:ma14="http://schemas.microsoft.com/office/mac/drawingml/2011/main" val="1"/>
             </a:ext>
           </a:extLst>
         </p:spPr>
@@ -6751,7 +6764,7 @@
           </a:ln>
           <a:extLst>
             <a:ext uri="{C572A759-6A51-4108-AA02-DFA0A04FC94B}">
-              <ma14:wrappingTextBoxFlag xmlns:ma14="http://schemas.microsoft.com/office/mac/drawingml/2011/main" xmlns:a14="http://schemas.microsoft.com/office/drawing/2010/main" xmlns:m="http://schemas.openxmlformats.org/officeDocument/2006/math" xmlns="" val="1"/>
+              <ma14:wrappingTextBoxFlag xmlns="" xmlns:m="http://schemas.openxmlformats.org/officeDocument/2006/math" xmlns:a14="http://schemas.microsoft.com/office/drawing/2010/main" xmlns:ma14="http://schemas.microsoft.com/office/mac/drawingml/2011/main" val="1"/>
             </a:ext>
           </a:extLst>
         </p:spPr>
@@ -6876,7 +6889,7 @@
           </a:ln>
           <a:extLst>
             <a:ext uri="{C572A759-6A51-4108-AA02-DFA0A04FC94B}">
-              <ma14:wrappingTextBoxFlag xmlns:ma14="http://schemas.microsoft.com/office/mac/drawingml/2011/main" xmlns:a14="http://schemas.microsoft.com/office/drawing/2010/main" xmlns:m="http://schemas.openxmlformats.org/officeDocument/2006/math" xmlns="" val="1"/>
+              <ma14:wrappingTextBoxFlag xmlns="" xmlns:m="http://schemas.openxmlformats.org/officeDocument/2006/math" xmlns:a14="http://schemas.microsoft.com/office/drawing/2010/main" xmlns:ma14="http://schemas.microsoft.com/office/mac/drawingml/2011/main" val="1"/>
             </a:ext>
           </a:extLst>
         </p:spPr>
@@ -6896,6 +6909,595 @@
           <a:p>
             <a:r>
               <a:t>Last updated March 2024</a:t>
+            </a:r>
+          </a:p>
+        </p:txBody>
+      </p:sp>
+      <p:sp>
+        <p:nvSpPr>
+          <p:cNvPr id="2" name="TextBox 1">
+            <a:extLst>
+              <a:ext uri="{FF2B5EF4-FFF2-40B4-BE49-F238E27FC236}">
+                <a16:creationId xmlns:a16="http://schemas.microsoft.com/office/drawing/2014/main" id="{E9AC7F4E-2A45-8E4D-7CAB-70F6BBA72E6C}"/>
+              </a:ext>
+            </a:extLst>
+          </p:cNvPr>
+          <p:cNvSpPr txBox="1"/>
+          <p:nvPr/>
+        </p:nvSpPr>
+        <p:spPr>
+          <a:xfrm>
+            <a:off x="4666466" y="1375308"/>
+            <a:ext cx="4165868" cy="564257"/>
+          </a:xfrm>
+          <a:prstGeom prst="rect">
+            <a:avLst/>
+          </a:prstGeom>
+          <a:noFill/>
+          <a:ln w="12700" cap="flat">
+            <a:noFill/>
+            <a:miter lim="400000"/>
+          </a:ln>
+          <a:effectLst/>
+          <a:sp3d/>
+        </p:spPr>
+        <p:style>
+          <a:lnRef idx="0">
+            <a:scrgbClr r="0" g="0" b="0"/>
+          </a:lnRef>
+          <a:fillRef idx="0">
+            <a:scrgbClr r="0" g="0" b="0"/>
+          </a:fillRef>
+          <a:effectRef idx="0">
+            <a:scrgbClr r="0" g="0" b="0"/>
+          </a:effectRef>
+          <a:fontRef idx="none"/>
+        </p:style>
+        <p:txBody>
+          <a:bodyPr rot="0" spcFirstLastPara="1" vertOverflow="overflow" horzOverflow="overflow" vert="horz" wrap="square" lIns="50800" tIns="50800" rIns="50800" bIns="50800" numCol="1" spcCol="38100" rtlCol="0" anchor="ctr">
+            <a:spAutoFit/>
+          </a:bodyPr>
+          <a:lstStyle/>
+          <a:p>
+            <a:pPr marL="0" marR="0" indent="0" algn="ctr" defTabSz="825500" rtl="0" fontAlgn="auto" latinLnBrk="0" hangingPunct="0">
+              <a:lnSpc>
+                <a:spcPct val="100000"/>
+              </a:lnSpc>
+              <a:spcBef>
+                <a:spcPts val="0"/>
+              </a:spcBef>
+              <a:spcAft>
+                <a:spcPts val="0"/>
+              </a:spcAft>
+              <a:buClrTx/>
+              <a:buSzTx/>
+              <a:buFontTx/>
+              <a:buNone/>
+              <a:tabLst/>
+            </a:pPr>
+            <a:r>
+              <a:rPr kumimoji="0" lang="en-US" sz="3000" b="1" i="0" u="none" strike="noStrike" cap="none" spc="0" normalizeH="0" baseline="0" dirty="0">
+                <a:ln>
+                  <a:noFill/>
+                </a:ln>
+                <a:solidFill>
+                  <a:srgbClr val="000000"/>
+                </a:solidFill>
+                <a:effectLst/>
+                <a:uFillTx/>
+                <a:latin typeface="Helvetica Neue"/>
+                <a:ea typeface="Helvetica Neue"/>
+                <a:cs typeface="Helvetica Neue"/>
+                <a:sym typeface="Helvetica Neue"/>
+              </a:rPr>
+              <a:t>Clearview</a:t>
+            </a:r>
+          </a:p>
+        </p:txBody>
+      </p:sp>
+      <p:sp>
+        <p:nvSpPr>
+          <p:cNvPr id="5" name="TextBox 4">
+            <a:extLst>
+              <a:ext uri="{FF2B5EF4-FFF2-40B4-BE49-F238E27FC236}">
+                <a16:creationId xmlns:a16="http://schemas.microsoft.com/office/drawing/2014/main" id="{4A83C577-D0F2-0DE9-45D5-6EC61A2B182F}"/>
+              </a:ext>
+            </a:extLst>
+          </p:cNvPr>
+          <p:cNvSpPr txBox="1"/>
+          <p:nvPr/>
+        </p:nvSpPr>
+        <p:spPr>
+          <a:xfrm>
+            <a:off x="18811538" y="1366678"/>
+            <a:ext cx="4165868" cy="564257"/>
+          </a:xfrm>
+          <a:prstGeom prst="rect">
+            <a:avLst/>
+          </a:prstGeom>
+          <a:noFill/>
+          <a:ln w="12700" cap="flat">
+            <a:noFill/>
+            <a:miter lim="400000"/>
+          </a:ln>
+          <a:effectLst/>
+          <a:sp3d/>
+        </p:spPr>
+        <p:style>
+          <a:lnRef idx="0">
+            <a:scrgbClr r="0" g="0" b="0"/>
+          </a:lnRef>
+          <a:fillRef idx="0">
+            <a:scrgbClr r="0" g="0" b="0"/>
+          </a:fillRef>
+          <a:effectRef idx="0">
+            <a:scrgbClr r="0" g="0" b="0"/>
+          </a:effectRef>
+          <a:fontRef idx="none"/>
+        </p:style>
+        <p:txBody>
+          <a:bodyPr rot="0" spcFirstLastPara="1" vertOverflow="overflow" horzOverflow="overflow" vert="horz" wrap="square" lIns="50800" tIns="50800" rIns="50800" bIns="50800" numCol="1" spcCol="38100" rtlCol="0" anchor="ctr">
+            <a:spAutoFit/>
+          </a:bodyPr>
+          <a:lstStyle/>
+          <a:p>
+            <a:pPr marL="0" marR="0" indent="0" algn="ctr" defTabSz="825500" rtl="0" fontAlgn="auto" latinLnBrk="0" hangingPunct="0">
+              <a:lnSpc>
+                <a:spcPct val="100000"/>
+              </a:lnSpc>
+              <a:spcBef>
+                <a:spcPts val="0"/>
+              </a:spcBef>
+              <a:spcAft>
+                <a:spcPts val="0"/>
+              </a:spcAft>
+              <a:buClrTx/>
+              <a:buSzTx/>
+              <a:buFontTx/>
+              <a:buNone/>
+              <a:tabLst/>
+            </a:pPr>
+            <a:r>
+              <a:rPr lang="en-US" dirty="0"/>
+              <a:t>HR / Talent</a:t>
+            </a:r>
+            <a:endParaRPr kumimoji="0" lang="en-US" sz="3000" b="1" i="0" u="none" strike="noStrike" cap="none" spc="0" normalizeH="0" baseline="0" dirty="0">
+              <a:ln>
+                <a:noFill/>
+              </a:ln>
+              <a:solidFill>
+                <a:srgbClr val="000000"/>
+              </a:solidFill>
+              <a:effectLst/>
+              <a:uFillTx/>
+              <a:latin typeface="Helvetica Neue"/>
+              <a:ea typeface="Helvetica Neue"/>
+              <a:cs typeface="Helvetica Neue"/>
+              <a:sym typeface="Helvetica Neue"/>
+            </a:endParaRPr>
+          </a:p>
+        </p:txBody>
+      </p:sp>
+      <p:sp>
+        <p:nvSpPr>
+          <p:cNvPr id="6" name="TextBox 5">
+            <a:extLst>
+              <a:ext uri="{FF2B5EF4-FFF2-40B4-BE49-F238E27FC236}">
+                <a16:creationId xmlns:a16="http://schemas.microsoft.com/office/drawing/2014/main" id="{3E31482F-E56A-925C-0754-7FD75F2FF452}"/>
+              </a:ext>
+            </a:extLst>
+          </p:cNvPr>
+          <p:cNvSpPr txBox="1"/>
+          <p:nvPr/>
+        </p:nvSpPr>
+        <p:spPr>
+          <a:xfrm>
+            <a:off x="4691689" y="2137245"/>
+            <a:ext cx="4165868" cy="564257"/>
+          </a:xfrm>
+          <a:prstGeom prst="rect">
+            <a:avLst/>
+          </a:prstGeom>
+          <a:noFill/>
+          <a:ln w="12700" cap="flat">
+            <a:noFill/>
+            <a:miter lim="400000"/>
+          </a:ln>
+          <a:effectLst/>
+          <a:sp3d/>
+        </p:spPr>
+        <p:style>
+          <a:lnRef idx="0">
+            <a:scrgbClr r="0" g="0" b="0"/>
+          </a:lnRef>
+          <a:fillRef idx="0">
+            <a:scrgbClr r="0" g="0" b="0"/>
+          </a:fillRef>
+          <a:effectRef idx="0">
+            <a:scrgbClr r="0" g="0" b="0"/>
+          </a:effectRef>
+          <a:fontRef idx="none"/>
+        </p:style>
+        <p:txBody>
+          <a:bodyPr rot="0" spcFirstLastPara="1" vertOverflow="overflow" horzOverflow="overflow" vert="horz" wrap="square" lIns="50800" tIns="50800" rIns="50800" bIns="50800" numCol="1" spcCol="38100" rtlCol="0" anchor="ctr">
+            <a:spAutoFit/>
+          </a:bodyPr>
+          <a:lstStyle/>
+          <a:p>
+            <a:pPr marL="0" marR="0" indent="0" algn="ctr" defTabSz="825500" rtl="0" fontAlgn="auto" latinLnBrk="0" hangingPunct="0">
+              <a:lnSpc>
+                <a:spcPct val="100000"/>
+              </a:lnSpc>
+              <a:spcBef>
+                <a:spcPts val="0"/>
+              </a:spcBef>
+              <a:spcAft>
+                <a:spcPts val="0"/>
+              </a:spcAft>
+              <a:buClrTx/>
+              <a:buSzTx/>
+              <a:buFontTx/>
+              <a:buNone/>
+              <a:tabLst/>
+            </a:pPr>
+            <a:r>
+              <a:rPr kumimoji="0" lang="en-US" sz="3000" b="1" i="0" u="none" strike="noStrike" cap="none" spc="0" normalizeH="0" baseline="0" dirty="0" err="1">
+                <a:ln>
+                  <a:noFill/>
+                </a:ln>
+                <a:solidFill>
+                  <a:srgbClr val="000000"/>
+                </a:solidFill>
+                <a:effectLst/>
+                <a:uFillTx/>
+                <a:latin typeface="Helvetica Neue"/>
+                <a:ea typeface="Helvetica Neue"/>
+                <a:cs typeface="Helvetica Neue"/>
+                <a:sym typeface="Helvetica Neue"/>
+              </a:rPr>
+              <a:t>EquiVisionaries</a:t>
+            </a:r>
+            <a:endParaRPr kumimoji="0" lang="en-US" sz="3000" b="1" i="0" u="none" strike="noStrike" cap="none" spc="0" normalizeH="0" baseline="0" dirty="0">
+              <a:ln>
+                <a:noFill/>
+              </a:ln>
+              <a:solidFill>
+                <a:srgbClr val="000000"/>
+              </a:solidFill>
+              <a:effectLst/>
+              <a:uFillTx/>
+              <a:latin typeface="Helvetica Neue"/>
+              <a:ea typeface="Helvetica Neue"/>
+              <a:cs typeface="Helvetica Neue"/>
+              <a:sym typeface="Helvetica Neue"/>
+            </a:endParaRPr>
+          </a:p>
+        </p:txBody>
+      </p:sp>
+      <p:sp>
+        <p:nvSpPr>
+          <p:cNvPr id="7" name="TextBox 6">
+            <a:extLst>
+              <a:ext uri="{FF2B5EF4-FFF2-40B4-BE49-F238E27FC236}">
+                <a16:creationId xmlns:a16="http://schemas.microsoft.com/office/drawing/2014/main" id="{E112A064-72DB-1397-2672-D1230E34BD2F}"/>
+              </a:ext>
+            </a:extLst>
+          </p:cNvPr>
+          <p:cNvSpPr txBox="1"/>
+          <p:nvPr/>
+        </p:nvSpPr>
+        <p:spPr>
+          <a:xfrm>
+            <a:off x="14936191" y="2136319"/>
+            <a:ext cx="4165868" cy="564257"/>
+          </a:xfrm>
+          <a:prstGeom prst="rect">
+            <a:avLst/>
+          </a:prstGeom>
+          <a:noFill/>
+          <a:ln w="12700" cap="flat">
+            <a:noFill/>
+            <a:miter lim="400000"/>
+          </a:ln>
+          <a:effectLst/>
+          <a:sp3d/>
+        </p:spPr>
+        <p:style>
+          <a:lnRef idx="0">
+            <a:scrgbClr r="0" g="0" b="0"/>
+          </a:lnRef>
+          <a:fillRef idx="0">
+            <a:scrgbClr r="0" g="0" b="0"/>
+          </a:fillRef>
+          <a:effectRef idx="0">
+            <a:scrgbClr r="0" g="0" b="0"/>
+          </a:effectRef>
+          <a:fontRef idx="none"/>
+        </p:style>
+        <p:txBody>
+          <a:bodyPr rot="0" spcFirstLastPara="1" vertOverflow="overflow" horzOverflow="overflow" vert="horz" wrap="square" lIns="50800" tIns="50800" rIns="50800" bIns="50800" numCol="1" spcCol="38100" rtlCol="0" anchor="ctr">
+            <a:spAutoFit/>
+          </a:bodyPr>
+          <a:lstStyle/>
+          <a:p>
+            <a:pPr marL="0" marR="0" indent="0" algn="ctr" defTabSz="825500" rtl="0" fontAlgn="auto" latinLnBrk="0" hangingPunct="0">
+              <a:lnSpc>
+                <a:spcPct val="100000"/>
+              </a:lnSpc>
+              <a:spcBef>
+                <a:spcPts val="0"/>
+              </a:spcBef>
+              <a:spcAft>
+                <a:spcPts val="0"/>
+              </a:spcAft>
+              <a:buClrTx/>
+              <a:buSzTx/>
+              <a:buFontTx/>
+              <a:buNone/>
+              <a:tabLst/>
+            </a:pPr>
+            <a:r>
+              <a:rPr kumimoji="0" lang="en-US" sz="3000" b="1" i="0" u="none" strike="noStrike" cap="none" spc="0" normalizeH="0" baseline="0" dirty="0">
+                <a:ln>
+                  <a:noFill/>
+                </a:ln>
+                <a:solidFill>
+                  <a:srgbClr val="000000"/>
+                </a:solidFill>
+                <a:effectLst/>
+                <a:uFillTx/>
+                <a:latin typeface="Helvetica Neue"/>
+                <a:ea typeface="Helvetica Neue"/>
+                <a:cs typeface="Helvetica Neue"/>
+                <a:sym typeface="Helvetica Neue"/>
+              </a:rPr>
+              <a:t>09/26/2024</a:t>
+            </a:r>
+          </a:p>
+        </p:txBody>
+      </p:sp>
+      <p:sp>
+        <p:nvSpPr>
+          <p:cNvPr id="8" name="TextBox 7">
+            <a:extLst>
+              <a:ext uri="{FF2B5EF4-FFF2-40B4-BE49-F238E27FC236}">
+                <a16:creationId xmlns:a16="http://schemas.microsoft.com/office/drawing/2014/main" id="{E5BAACA5-BC4F-8F45-6855-A51416FE1B52}"/>
+              </a:ext>
+            </a:extLst>
+          </p:cNvPr>
+          <p:cNvSpPr txBox="1"/>
+          <p:nvPr/>
+        </p:nvSpPr>
+        <p:spPr>
+          <a:xfrm>
+            <a:off x="2060263" y="4306704"/>
+            <a:ext cx="4165868" cy="564257"/>
+          </a:xfrm>
+          <a:prstGeom prst="rect">
+            <a:avLst/>
+          </a:prstGeom>
+          <a:noFill/>
+          <a:ln w="12700" cap="flat">
+            <a:noFill/>
+            <a:miter lim="400000"/>
+          </a:ln>
+          <a:effectLst/>
+          <a:sp3d/>
+        </p:spPr>
+        <p:style>
+          <a:lnRef idx="0">
+            <a:scrgbClr r="0" g="0" b="0"/>
+          </a:lnRef>
+          <a:fillRef idx="0">
+            <a:scrgbClr r="0" g="0" b="0"/>
+          </a:fillRef>
+          <a:effectRef idx="0">
+            <a:scrgbClr r="0" g="0" b="0"/>
+          </a:effectRef>
+          <a:fontRef idx="none"/>
+        </p:style>
+        <p:txBody>
+          <a:bodyPr rot="0" spcFirstLastPara="1" vertOverflow="overflow" horzOverflow="overflow" vert="horz" wrap="square" lIns="50800" tIns="50800" rIns="50800" bIns="50800" numCol="1" spcCol="38100" rtlCol="0" anchor="ctr">
+            <a:spAutoFit/>
+          </a:bodyPr>
+          <a:lstStyle/>
+          <a:p>
+            <a:pPr marL="0" marR="0" indent="0" algn="ctr" defTabSz="825500" rtl="0" fontAlgn="auto" latinLnBrk="0" hangingPunct="0">
+              <a:lnSpc>
+                <a:spcPct val="100000"/>
+              </a:lnSpc>
+              <a:spcBef>
+                <a:spcPts val="0"/>
+              </a:spcBef>
+              <a:spcAft>
+                <a:spcPts val="0"/>
+              </a:spcAft>
+              <a:buClrTx/>
+              <a:buSzTx/>
+              <a:buFontTx/>
+              <a:buNone/>
+              <a:tabLst/>
+            </a:pPr>
+            <a:r>
+              <a:rPr kumimoji="0" lang="en-US" sz="3000" b="1" i="0" u="none" strike="noStrike" cap="none" spc="0" normalizeH="0" baseline="0" dirty="0">
+                <a:ln>
+                  <a:noFill/>
+                </a:ln>
+                <a:solidFill>
+                  <a:srgbClr val="000000"/>
+                </a:solidFill>
+                <a:effectLst/>
+                <a:uFillTx/>
+                <a:latin typeface="Helvetica Neue"/>
+                <a:ea typeface="Helvetica Neue"/>
+                <a:cs typeface="Helvetica Neue"/>
+                <a:sym typeface="Helvetica Neue"/>
+              </a:rPr>
+              <a:t>Scalability</a:t>
+            </a:r>
+          </a:p>
+        </p:txBody>
+      </p:sp>
+      <p:sp>
+        <p:nvSpPr>
+          <p:cNvPr id="9" name="TextBox 8">
+            <a:extLst>
+              <a:ext uri="{FF2B5EF4-FFF2-40B4-BE49-F238E27FC236}">
+                <a16:creationId xmlns:a16="http://schemas.microsoft.com/office/drawing/2014/main" id="{6BBF165C-2E45-063E-28DD-D7E39341807C}"/>
+              </a:ext>
+            </a:extLst>
+          </p:cNvPr>
+          <p:cNvSpPr txBox="1"/>
+          <p:nvPr/>
+        </p:nvSpPr>
+        <p:spPr>
+          <a:xfrm>
+            <a:off x="2016673" y="5131857"/>
+            <a:ext cx="4165868" cy="564257"/>
+          </a:xfrm>
+          <a:prstGeom prst="rect">
+            <a:avLst/>
+          </a:prstGeom>
+          <a:noFill/>
+          <a:ln w="12700" cap="flat">
+            <a:noFill/>
+            <a:miter lim="400000"/>
+          </a:ln>
+          <a:effectLst/>
+          <a:sp3d/>
+        </p:spPr>
+        <p:style>
+          <a:lnRef idx="0">
+            <a:scrgbClr r="0" g="0" b="0"/>
+          </a:lnRef>
+          <a:fillRef idx="0">
+            <a:scrgbClr r="0" g="0" b="0"/>
+          </a:fillRef>
+          <a:effectRef idx="0">
+            <a:scrgbClr r="0" g="0" b="0"/>
+          </a:effectRef>
+          <a:fontRef idx="none"/>
+        </p:style>
+        <p:txBody>
+          <a:bodyPr rot="0" spcFirstLastPara="1" vertOverflow="overflow" horzOverflow="overflow" vert="horz" wrap="square" lIns="50800" tIns="50800" rIns="50800" bIns="50800" numCol="1" spcCol="38100" rtlCol="0" anchor="ctr">
+            <a:spAutoFit/>
+          </a:bodyPr>
+          <a:lstStyle/>
+          <a:p>
+            <a:pPr marL="0" marR="0" indent="0" algn="ctr" defTabSz="825500" rtl="0" fontAlgn="auto" latinLnBrk="0" hangingPunct="0">
+              <a:lnSpc>
+                <a:spcPct val="100000"/>
+              </a:lnSpc>
+              <a:spcBef>
+                <a:spcPts val="0"/>
+              </a:spcBef>
+              <a:spcAft>
+                <a:spcPts val="0"/>
+              </a:spcAft>
+              <a:buClrTx/>
+              <a:buSzTx/>
+              <a:buFontTx/>
+              <a:buNone/>
+              <a:tabLst/>
+            </a:pPr>
+            <a:r>
+              <a:rPr kumimoji="0" lang="en-US" sz="3000" b="1" i="0" u="none" strike="noStrike" cap="none" spc="0" normalizeH="0" baseline="0" dirty="0">
+                <a:ln>
+                  <a:noFill/>
+                </a:ln>
+                <a:solidFill>
+                  <a:srgbClr val="000000"/>
+                </a:solidFill>
+                <a:effectLst/>
+                <a:uFillTx/>
+                <a:latin typeface="Helvetica Neue"/>
+                <a:ea typeface="Helvetica Neue"/>
+                <a:cs typeface="Helvetica Neue"/>
+                <a:sym typeface="Helvetica Neue"/>
+              </a:rPr>
+              <a:t>Data Integrity</a:t>
+            </a:r>
+          </a:p>
+        </p:txBody>
+      </p:sp>
+      <p:sp>
+        <p:nvSpPr>
+          <p:cNvPr id="10" name="TextBox 9">
+            <a:extLst>
+              <a:ext uri="{FF2B5EF4-FFF2-40B4-BE49-F238E27FC236}">
+                <a16:creationId xmlns:a16="http://schemas.microsoft.com/office/drawing/2014/main" id="{D0D806BA-8794-2C66-90A3-A2C64896172E}"/>
+              </a:ext>
+            </a:extLst>
+          </p:cNvPr>
+          <p:cNvSpPr txBox="1"/>
+          <p:nvPr/>
+        </p:nvSpPr>
+        <p:spPr>
+          <a:xfrm>
+            <a:off x="2025847" y="5956910"/>
+            <a:ext cx="4165868" cy="564257"/>
+          </a:xfrm>
+          <a:prstGeom prst="rect">
+            <a:avLst/>
+          </a:prstGeom>
+          <a:noFill/>
+          <a:ln w="12700" cap="flat">
+            <a:noFill/>
+            <a:miter lim="400000"/>
+          </a:ln>
+          <a:effectLst/>
+          <a:sp3d/>
+        </p:spPr>
+        <p:style>
+          <a:lnRef idx="0">
+            <a:scrgbClr r="0" g="0" b="0"/>
+          </a:lnRef>
+          <a:fillRef idx="0">
+            <a:scrgbClr r="0" g="0" b="0"/>
+          </a:fillRef>
+          <a:effectRef idx="0">
+            <a:scrgbClr r="0" g="0" b="0"/>
+          </a:effectRef>
+          <a:fontRef idx="none"/>
+        </p:style>
+        <p:txBody>
+          <a:bodyPr rot="0" spcFirstLastPara="1" vertOverflow="overflow" horzOverflow="overflow" vert="horz" wrap="square" lIns="50800" tIns="50800" rIns="50800" bIns="50800" numCol="1" spcCol="38100" rtlCol="0" anchor="ctr">
+            <a:spAutoFit/>
+          </a:bodyPr>
+          <a:lstStyle/>
+          <a:p>
+            <a:pPr marL="0" marR="0" indent="0" algn="ctr" defTabSz="825500" rtl="0" fontAlgn="auto" latinLnBrk="0" hangingPunct="0">
+              <a:lnSpc>
+                <a:spcPct val="100000"/>
+              </a:lnSpc>
+              <a:spcBef>
+                <a:spcPts val="0"/>
+              </a:spcBef>
+              <a:spcAft>
+                <a:spcPts val="0"/>
+              </a:spcAft>
+              <a:buClrTx/>
+              <a:buSzTx/>
+              <a:buFontTx/>
+              <a:buNone/>
+              <a:tabLst/>
+            </a:pPr>
+            <a:r>
+              <a:rPr kumimoji="0" lang="en-US" sz="3000" b="1" i="0" u="none" strike="noStrike" cap="none" spc="0" normalizeH="0" baseline="0" dirty="0">
+                <a:ln>
+                  <a:noFill/>
+                </a:ln>
+                <a:solidFill>
+                  <a:srgbClr val="000000"/>
+                </a:solidFill>
+                <a:effectLst/>
+                <a:uFillTx/>
+                <a:latin typeface="Helvetica Neue"/>
+                <a:ea typeface="Helvetica Neue"/>
+                <a:cs typeface="Helvetica Neue"/>
+                <a:sym typeface="Helvetica Neue"/>
+              </a:rPr>
+              <a:t>Availability</a:t>
             </a:r>
           </a:p>
         </p:txBody>
@@ -7105,7 +7707,7 @@
           </a:ln>
           <a:extLst>
             <a:ext uri="{C572A759-6A51-4108-AA02-DFA0A04FC94B}">
-              <ma14:wrappingTextBoxFlag xmlns:ma14="http://schemas.microsoft.com/office/mac/drawingml/2011/main" xmlns:a14="http://schemas.microsoft.com/office/drawing/2010/main" xmlns:m="http://schemas.openxmlformats.org/officeDocument/2006/math" xmlns="" val="1"/>
+              <ma14:wrappingTextBoxFlag xmlns="" xmlns:m="http://schemas.openxmlformats.org/officeDocument/2006/math" xmlns:a14="http://schemas.microsoft.com/office/drawing/2010/main" xmlns:ma14="http://schemas.microsoft.com/office/mac/drawingml/2011/main" val="1"/>
             </a:ext>
           </a:extLst>
         </p:spPr>
@@ -7152,7 +7754,7 @@
           </a:ln>
           <a:extLst>
             <a:ext uri="{C572A759-6A51-4108-AA02-DFA0A04FC94B}">
-              <ma14:wrappingTextBoxFlag xmlns:ma14="http://schemas.microsoft.com/office/mac/drawingml/2011/main" xmlns:a14="http://schemas.microsoft.com/office/drawing/2010/main" xmlns:m="http://schemas.openxmlformats.org/officeDocument/2006/math" xmlns="" val="1"/>
+              <ma14:wrappingTextBoxFlag xmlns="" xmlns:m="http://schemas.openxmlformats.org/officeDocument/2006/math" xmlns:a14="http://schemas.microsoft.com/office/drawing/2010/main" xmlns:ma14="http://schemas.microsoft.com/office/mac/drawingml/2011/main" val="1"/>
             </a:ext>
           </a:extLst>
         </p:spPr>
@@ -7199,7 +7801,7 @@
           </a:ln>
           <a:extLst>
             <a:ext uri="{C572A759-6A51-4108-AA02-DFA0A04FC94B}">
-              <ma14:wrappingTextBoxFlag xmlns:ma14="http://schemas.microsoft.com/office/mac/drawingml/2011/main" xmlns:a14="http://schemas.microsoft.com/office/drawing/2010/main" xmlns:m="http://schemas.openxmlformats.org/officeDocument/2006/math" xmlns="" val="1"/>
+              <ma14:wrappingTextBoxFlag xmlns="" xmlns:m="http://schemas.openxmlformats.org/officeDocument/2006/math" xmlns:a14="http://schemas.microsoft.com/office/drawing/2010/main" xmlns:ma14="http://schemas.microsoft.com/office/mac/drawingml/2011/main" val="1"/>
             </a:ext>
           </a:extLst>
         </p:spPr>
@@ -7246,7 +7848,7 @@
           </a:ln>
           <a:extLst>
             <a:ext uri="{C572A759-6A51-4108-AA02-DFA0A04FC94B}">
-              <ma14:wrappingTextBoxFlag xmlns:ma14="http://schemas.microsoft.com/office/mac/drawingml/2011/main" xmlns:a14="http://schemas.microsoft.com/office/drawing/2010/main" xmlns:m="http://schemas.openxmlformats.org/officeDocument/2006/math" xmlns="" val="1"/>
+              <ma14:wrappingTextBoxFlag xmlns="" xmlns:m="http://schemas.openxmlformats.org/officeDocument/2006/math" xmlns:a14="http://schemas.microsoft.com/office/drawing/2010/main" xmlns:ma14="http://schemas.microsoft.com/office/mac/drawingml/2011/main" val="1"/>
             </a:ext>
           </a:extLst>
         </p:spPr>
@@ -7293,7 +7895,7 @@
           </a:ln>
           <a:extLst>
             <a:ext uri="{C572A759-6A51-4108-AA02-DFA0A04FC94B}">
-              <ma14:wrappingTextBoxFlag xmlns:ma14="http://schemas.microsoft.com/office/mac/drawingml/2011/main" xmlns:a14="http://schemas.microsoft.com/office/drawing/2010/main" xmlns:m="http://schemas.openxmlformats.org/officeDocument/2006/math" xmlns="" val="1"/>
+              <ma14:wrappingTextBoxFlag xmlns="" xmlns:m="http://schemas.openxmlformats.org/officeDocument/2006/math" xmlns:a14="http://schemas.microsoft.com/office/drawing/2010/main" xmlns:ma14="http://schemas.microsoft.com/office/mac/drawingml/2011/main" val="1"/>
             </a:ext>
           </a:extLst>
         </p:spPr>
@@ -7340,7 +7942,7 @@
           </a:ln>
           <a:extLst>
             <a:ext uri="{C572A759-6A51-4108-AA02-DFA0A04FC94B}">
-              <ma14:wrappingTextBoxFlag xmlns:ma14="http://schemas.microsoft.com/office/mac/drawingml/2011/main" xmlns:a14="http://schemas.microsoft.com/office/drawing/2010/main" xmlns:m="http://schemas.openxmlformats.org/officeDocument/2006/math" xmlns="" val="1"/>
+              <ma14:wrappingTextBoxFlag xmlns="" xmlns:m="http://schemas.openxmlformats.org/officeDocument/2006/math" xmlns:a14="http://schemas.microsoft.com/office/drawing/2010/main" xmlns:ma14="http://schemas.microsoft.com/office/mac/drawingml/2011/main" val="1"/>
             </a:ext>
           </a:extLst>
         </p:spPr>
@@ -7387,7 +7989,7 @@
           </a:ln>
           <a:extLst>
             <a:ext uri="{C572A759-6A51-4108-AA02-DFA0A04FC94B}">
-              <ma14:wrappingTextBoxFlag xmlns:ma14="http://schemas.microsoft.com/office/mac/drawingml/2011/main" xmlns:a14="http://schemas.microsoft.com/office/drawing/2010/main" xmlns:m="http://schemas.openxmlformats.org/officeDocument/2006/math" xmlns="" val="1"/>
+              <ma14:wrappingTextBoxFlag xmlns="" xmlns:m="http://schemas.openxmlformats.org/officeDocument/2006/math" xmlns:a14="http://schemas.microsoft.com/office/drawing/2010/main" xmlns:ma14="http://schemas.microsoft.com/office/mac/drawingml/2011/main" val="1"/>
             </a:ext>
           </a:extLst>
         </p:spPr>
@@ -7434,7 +8036,7 @@
           </a:ln>
           <a:extLst>
             <a:ext uri="{C572A759-6A51-4108-AA02-DFA0A04FC94B}">
-              <ma14:wrappingTextBoxFlag xmlns:ma14="http://schemas.microsoft.com/office/mac/drawingml/2011/main" xmlns:a14="http://schemas.microsoft.com/office/drawing/2010/main" xmlns:m="http://schemas.openxmlformats.org/officeDocument/2006/math" xmlns="" val="1"/>
+              <ma14:wrappingTextBoxFlag xmlns="" xmlns:m="http://schemas.openxmlformats.org/officeDocument/2006/math" xmlns:a14="http://schemas.microsoft.com/office/drawing/2010/main" xmlns:ma14="http://schemas.microsoft.com/office/mac/drawingml/2011/main" val="1"/>
             </a:ext>
           </a:extLst>
         </p:spPr>
@@ -7481,7 +8083,7 @@
           </a:ln>
           <a:extLst>
             <a:ext uri="{C572A759-6A51-4108-AA02-DFA0A04FC94B}">
-              <ma14:wrappingTextBoxFlag xmlns:ma14="http://schemas.microsoft.com/office/mac/drawingml/2011/main" xmlns:a14="http://schemas.microsoft.com/office/drawing/2010/main" xmlns:m="http://schemas.openxmlformats.org/officeDocument/2006/math" xmlns="" val="1"/>
+              <ma14:wrappingTextBoxFlag xmlns="" xmlns:m="http://schemas.openxmlformats.org/officeDocument/2006/math" xmlns:a14="http://schemas.microsoft.com/office/drawing/2010/main" xmlns:ma14="http://schemas.microsoft.com/office/mac/drawingml/2011/main" val="1"/>
             </a:ext>
           </a:extLst>
         </p:spPr>
@@ -7528,7 +8130,7 @@
           </a:ln>
           <a:extLst>
             <a:ext uri="{C572A759-6A51-4108-AA02-DFA0A04FC94B}">
-              <ma14:wrappingTextBoxFlag xmlns:ma14="http://schemas.microsoft.com/office/mac/drawingml/2011/main" xmlns:a14="http://schemas.microsoft.com/office/drawing/2010/main" xmlns:m="http://schemas.openxmlformats.org/officeDocument/2006/math" xmlns="" val="1"/>
+              <ma14:wrappingTextBoxFlag xmlns="" xmlns:m="http://schemas.openxmlformats.org/officeDocument/2006/math" xmlns:a14="http://schemas.microsoft.com/office/drawing/2010/main" xmlns:ma14="http://schemas.microsoft.com/office/mac/drawingml/2011/main" val="1"/>
             </a:ext>
           </a:extLst>
         </p:spPr>
@@ -7575,7 +8177,7 @@
           </a:ln>
           <a:extLst>
             <a:ext uri="{C572A759-6A51-4108-AA02-DFA0A04FC94B}">
-              <ma14:wrappingTextBoxFlag xmlns:ma14="http://schemas.microsoft.com/office/mac/drawingml/2011/main" xmlns:a14="http://schemas.microsoft.com/office/drawing/2010/main" xmlns:m="http://schemas.openxmlformats.org/officeDocument/2006/math" xmlns="" val="1"/>
+              <ma14:wrappingTextBoxFlag xmlns="" xmlns:m="http://schemas.openxmlformats.org/officeDocument/2006/math" xmlns:a14="http://schemas.microsoft.com/office/drawing/2010/main" xmlns:ma14="http://schemas.microsoft.com/office/mac/drawingml/2011/main" val="1"/>
             </a:ext>
           </a:extLst>
         </p:spPr>
@@ -7622,7 +8224,7 @@
           </a:ln>
           <a:extLst>
             <a:ext uri="{C572A759-6A51-4108-AA02-DFA0A04FC94B}">
-              <ma14:wrappingTextBoxFlag xmlns:ma14="http://schemas.microsoft.com/office/mac/drawingml/2011/main" xmlns:a14="http://schemas.microsoft.com/office/drawing/2010/main" xmlns:m="http://schemas.openxmlformats.org/officeDocument/2006/math" xmlns="" val="1"/>
+              <ma14:wrappingTextBoxFlag xmlns="" xmlns:m="http://schemas.openxmlformats.org/officeDocument/2006/math" xmlns:a14="http://schemas.microsoft.com/office/drawing/2010/main" xmlns:ma14="http://schemas.microsoft.com/office/mac/drawingml/2011/main" val="1"/>
             </a:ext>
           </a:extLst>
         </p:spPr>
@@ -7669,7 +8271,7 @@
           </a:ln>
           <a:extLst>
             <a:ext uri="{C572A759-6A51-4108-AA02-DFA0A04FC94B}">
-              <ma14:wrappingTextBoxFlag xmlns:ma14="http://schemas.microsoft.com/office/mac/drawingml/2011/main" xmlns:a14="http://schemas.microsoft.com/office/drawing/2010/main" xmlns:m="http://schemas.openxmlformats.org/officeDocument/2006/math" xmlns="" val="1"/>
+              <ma14:wrappingTextBoxFlag xmlns="" xmlns:m="http://schemas.openxmlformats.org/officeDocument/2006/math" xmlns:a14="http://schemas.microsoft.com/office/drawing/2010/main" xmlns:ma14="http://schemas.microsoft.com/office/mac/drawingml/2011/main" val="1"/>
             </a:ext>
           </a:extLst>
         </p:spPr>
@@ -7716,7 +8318,7 @@
           </a:ln>
           <a:extLst>
             <a:ext uri="{C572A759-6A51-4108-AA02-DFA0A04FC94B}">
-              <ma14:wrappingTextBoxFlag xmlns:ma14="http://schemas.microsoft.com/office/mac/drawingml/2011/main" xmlns:a14="http://schemas.microsoft.com/office/drawing/2010/main" xmlns:m="http://schemas.openxmlformats.org/officeDocument/2006/math" xmlns="" val="1"/>
+              <ma14:wrappingTextBoxFlag xmlns="" xmlns:m="http://schemas.openxmlformats.org/officeDocument/2006/math" xmlns:a14="http://schemas.microsoft.com/office/drawing/2010/main" xmlns:ma14="http://schemas.microsoft.com/office/mac/drawingml/2011/main" val="1"/>
             </a:ext>
           </a:extLst>
         </p:spPr>
@@ -7763,7 +8365,7 @@
           </a:ln>
           <a:extLst>
             <a:ext uri="{C572A759-6A51-4108-AA02-DFA0A04FC94B}">
-              <ma14:wrappingTextBoxFlag xmlns:ma14="http://schemas.microsoft.com/office/mac/drawingml/2011/main" xmlns:a14="http://schemas.microsoft.com/office/drawing/2010/main" xmlns:m="http://schemas.openxmlformats.org/officeDocument/2006/math" xmlns="" val="1"/>
+              <ma14:wrappingTextBoxFlag xmlns="" xmlns:m="http://schemas.openxmlformats.org/officeDocument/2006/math" xmlns:a14="http://schemas.microsoft.com/office/drawing/2010/main" xmlns:ma14="http://schemas.microsoft.com/office/mac/drawingml/2011/main" val="1"/>
             </a:ext>
           </a:extLst>
         </p:spPr>
@@ -7810,7 +8412,7 @@
           </a:ln>
           <a:extLst>
             <a:ext uri="{C572A759-6A51-4108-AA02-DFA0A04FC94B}">
-              <ma14:wrappingTextBoxFlag xmlns:ma14="http://schemas.microsoft.com/office/mac/drawingml/2011/main" xmlns:a14="http://schemas.microsoft.com/office/drawing/2010/main" xmlns:m="http://schemas.openxmlformats.org/officeDocument/2006/math" xmlns="" val="1"/>
+              <ma14:wrappingTextBoxFlag xmlns="" xmlns:m="http://schemas.openxmlformats.org/officeDocument/2006/math" xmlns:a14="http://schemas.microsoft.com/office/drawing/2010/main" xmlns:ma14="http://schemas.microsoft.com/office/mac/drawingml/2011/main" val="1"/>
             </a:ext>
           </a:extLst>
         </p:spPr>
@@ -7857,7 +8459,7 @@
           </a:ln>
           <a:extLst>
             <a:ext uri="{C572A759-6A51-4108-AA02-DFA0A04FC94B}">
-              <ma14:wrappingTextBoxFlag xmlns:ma14="http://schemas.microsoft.com/office/mac/drawingml/2011/main" xmlns:a14="http://schemas.microsoft.com/office/drawing/2010/main" xmlns:m="http://schemas.openxmlformats.org/officeDocument/2006/math" xmlns="" val="1"/>
+              <ma14:wrappingTextBoxFlag xmlns="" xmlns:m="http://schemas.openxmlformats.org/officeDocument/2006/math" xmlns:a14="http://schemas.microsoft.com/office/drawing/2010/main" xmlns:ma14="http://schemas.microsoft.com/office/mac/drawingml/2011/main" val="1"/>
             </a:ext>
           </a:extLst>
         </p:spPr>
@@ -7900,7 +8502,7 @@
           </a:ln>
           <a:extLst>
             <a:ext uri="{C572A759-6A51-4108-AA02-DFA0A04FC94B}">
-              <ma14:wrappingTextBoxFlag xmlns:ma14="http://schemas.microsoft.com/office/mac/drawingml/2011/main" xmlns:a14="http://schemas.microsoft.com/office/drawing/2010/main" xmlns:m="http://schemas.openxmlformats.org/officeDocument/2006/math" xmlns="" val="1"/>
+              <ma14:wrappingTextBoxFlag xmlns="" xmlns:m="http://schemas.openxmlformats.org/officeDocument/2006/math" xmlns:a14="http://schemas.microsoft.com/office/drawing/2010/main" xmlns:ma14="http://schemas.microsoft.com/office/mac/drawingml/2011/main" val="1"/>
             </a:ext>
           </a:extLst>
         </p:spPr>
@@ -7947,7 +8549,7 @@
           </a:ln>
           <a:extLst>
             <a:ext uri="{C572A759-6A51-4108-AA02-DFA0A04FC94B}">
-              <ma14:wrappingTextBoxFlag xmlns:ma14="http://schemas.microsoft.com/office/mac/drawingml/2011/main" xmlns:a14="http://schemas.microsoft.com/office/drawing/2010/main" xmlns:m="http://schemas.openxmlformats.org/officeDocument/2006/math" xmlns="" val="1"/>
+              <ma14:wrappingTextBoxFlag xmlns="" xmlns:m="http://schemas.openxmlformats.org/officeDocument/2006/math" xmlns:a14="http://schemas.microsoft.com/office/drawing/2010/main" xmlns:ma14="http://schemas.microsoft.com/office/mac/drawingml/2011/main" val="1"/>
             </a:ext>
           </a:extLst>
         </p:spPr>
@@ -7990,7 +8592,7 @@
           </a:ln>
           <a:extLst>
             <a:ext uri="{C572A759-6A51-4108-AA02-DFA0A04FC94B}">
-              <ma14:wrappingTextBoxFlag xmlns:ma14="http://schemas.microsoft.com/office/mac/drawingml/2011/main" xmlns:a14="http://schemas.microsoft.com/office/drawing/2010/main" xmlns:m="http://schemas.openxmlformats.org/officeDocument/2006/math" xmlns="" val="1"/>
+              <ma14:wrappingTextBoxFlag xmlns="" xmlns:m="http://schemas.openxmlformats.org/officeDocument/2006/math" xmlns:a14="http://schemas.microsoft.com/office/drawing/2010/main" xmlns:ma14="http://schemas.microsoft.com/office/mac/drawingml/2011/main" val="1"/>
             </a:ext>
           </a:extLst>
         </p:spPr>
@@ -8033,7 +8635,7 @@
           </a:ln>
           <a:extLst>
             <a:ext uri="{C572A759-6A51-4108-AA02-DFA0A04FC94B}">
-              <ma14:wrappingTextBoxFlag xmlns:ma14="http://schemas.microsoft.com/office/mac/drawingml/2011/main" xmlns:a14="http://schemas.microsoft.com/office/drawing/2010/main" xmlns:m="http://schemas.openxmlformats.org/officeDocument/2006/math" xmlns="" val="1"/>
+              <ma14:wrappingTextBoxFlag xmlns="" xmlns:m="http://schemas.openxmlformats.org/officeDocument/2006/math" xmlns:a14="http://schemas.microsoft.com/office/drawing/2010/main" xmlns:ma14="http://schemas.microsoft.com/office/mac/drawingml/2011/main" val="1"/>
             </a:ext>
           </a:extLst>
         </p:spPr>
@@ -8076,7 +8678,7 @@
           </a:ln>
           <a:extLst>
             <a:ext uri="{C572A759-6A51-4108-AA02-DFA0A04FC94B}">
-              <ma14:wrappingTextBoxFlag xmlns:ma14="http://schemas.microsoft.com/office/mac/drawingml/2011/main" xmlns:a14="http://schemas.microsoft.com/office/drawing/2010/main" xmlns:m="http://schemas.openxmlformats.org/officeDocument/2006/math" xmlns="" val="1"/>
+              <ma14:wrappingTextBoxFlag xmlns="" xmlns:m="http://schemas.openxmlformats.org/officeDocument/2006/math" xmlns:a14="http://schemas.microsoft.com/office/drawing/2010/main" xmlns:ma14="http://schemas.microsoft.com/office/mac/drawingml/2011/main" val="1"/>
             </a:ext>
           </a:extLst>
         </p:spPr>
@@ -8119,7 +8721,7 @@
           </a:ln>
           <a:extLst>
             <a:ext uri="{C572A759-6A51-4108-AA02-DFA0A04FC94B}">
-              <ma14:wrappingTextBoxFlag xmlns:ma14="http://schemas.microsoft.com/office/mac/drawingml/2011/main" xmlns:a14="http://schemas.microsoft.com/office/drawing/2010/main" xmlns:m="http://schemas.openxmlformats.org/officeDocument/2006/math" xmlns="" val="1"/>
+              <ma14:wrappingTextBoxFlag xmlns="" xmlns:m="http://schemas.openxmlformats.org/officeDocument/2006/math" xmlns:a14="http://schemas.microsoft.com/office/drawing/2010/main" xmlns:ma14="http://schemas.microsoft.com/office/mac/drawingml/2011/main" val="1"/>
             </a:ext>
           </a:extLst>
         </p:spPr>
@@ -8162,7 +8764,7 @@
           </a:ln>
           <a:extLst>
             <a:ext uri="{C572A759-6A51-4108-AA02-DFA0A04FC94B}">
-              <ma14:wrappingTextBoxFlag xmlns:ma14="http://schemas.microsoft.com/office/mac/drawingml/2011/main" xmlns:a14="http://schemas.microsoft.com/office/drawing/2010/main" xmlns:m="http://schemas.openxmlformats.org/officeDocument/2006/math" xmlns="" val="1"/>
+              <ma14:wrappingTextBoxFlag xmlns="" xmlns:m="http://schemas.openxmlformats.org/officeDocument/2006/math" xmlns:a14="http://schemas.microsoft.com/office/drawing/2010/main" xmlns:ma14="http://schemas.microsoft.com/office/mac/drawingml/2011/main" val="1"/>
             </a:ext>
           </a:extLst>
         </p:spPr>
@@ -8212,7 +8814,7 @@
           </a:ln>
           <a:extLst>
             <a:ext uri="{C572A759-6A51-4108-AA02-DFA0A04FC94B}">
-              <ma14:wrappingTextBoxFlag xmlns:ma14="http://schemas.microsoft.com/office/mac/drawingml/2011/main" xmlns:a14="http://schemas.microsoft.com/office/drawing/2010/main" xmlns:m="http://schemas.openxmlformats.org/officeDocument/2006/math" xmlns="" val="1"/>
+              <ma14:wrappingTextBoxFlag xmlns="" xmlns:m="http://schemas.openxmlformats.org/officeDocument/2006/math" xmlns:a14="http://schemas.microsoft.com/office/drawing/2010/main" xmlns:ma14="http://schemas.microsoft.com/office/mac/drawingml/2011/main" val="1"/>
             </a:ext>
           </a:extLst>
         </p:spPr>
@@ -8255,7 +8857,7 @@
           </a:ln>
           <a:extLst>
             <a:ext uri="{C572A759-6A51-4108-AA02-DFA0A04FC94B}">
-              <ma14:wrappingTextBoxFlag xmlns:ma14="http://schemas.microsoft.com/office/mac/drawingml/2011/main" xmlns:a14="http://schemas.microsoft.com/office/drawing/2010/main" xmlns:m="http://schemas.openxmlformats.org/officeDocument/2006/math" xmlns="" val="1"/>
+              <ma14:wrappingTextBoxFlag xmlns="" xmlns:m="http://schemas.openxmlformats.org/officeDocument/2006/math" xmlns:a14="http://schemas.microsoft.com/office/drawing/2010/main" xmlns:ma14="http://schemas.microsoft.com/office/mac/drawingml/2011/main" val="1"/>
             </a:ext>
           </a:extLst>
         </p:spPr>
@@ -8298,7 +8900,7 @@
           </a:ln>
           <a:extLst>
             <a:ext uri="{C572A759-6A51-4108-AA02-DFA0A04FC94B}">
-              <ma14:wrappingTextBoxFlag xmlns:ma14="http://schemas.microsoft.com/office/mac/drawingml/2011/main" xmlns:a14="http://schemas.microsoft.com/office/drawing/2010/main" xmlns:m="http://schemas.openxmlformats.org/officeDocument/2006/math" xmlns="" val="1"/>
+              <ma14:wrappingTextBoxFlag xmlns="" xmlns:m="http://schemas.openxmlformats.org/officeDocument/2006/math" xmlns:a14="http://schemas.microsoft.com/office/drawing/2010/main" xmlns:ma14="http://schemas.microsoft.com/office/mac/drawingml/2011/main" val="1"/>
             </a:ext>
           </a:extLst>
         </p:spPr>
@@ -8341,7 +8943,7 @@
           </a:ln>
           <a:extLst>
             <a:ext uri="{C572A759-6A51-4108-AA02-DFA0A04FC94B}">
-              <ma14:wrappingTextBoxFlag xmlns:ma14="http://schemas.microsoft.com/office/mac/drawingml/2011/main" xmlns:a14="http://schemas.microsoft.com/office/drawing/2010/main" xmlns:m="http://schemas.openxmlformats.org/officeDocument/2006/math" xmlns="" val="1"/>
+              <ma14:wrappingTextBoxFlag xmlns="" xmlns:m="http://schemas.openxmlformats.org/officeDocument/2006/math" xmlns:a14="http://schemas.microsoft.com/office/drawing/2010/main" xmlns:ma14="http://schemas.microsoft.com/office/mac/drawingml/2011/main" val="1"/>
             </a:ext>
           </a:extLst>
         </p:spPr>
@@ -8384,7 +8986,7 @@
           </a:ln>
           <a:extLst>
             <a:ext uri="{C572A759-6A51-4108-AA02-DFA0A04FC94B}">
-              <ma14:wrappingTextBoxFlag xmlns:ma14="http://schemas.microsoft.com/office/mac/drawingml/2011/main" xmlns:a14="http://schemas.microsoft.com/office/drawing/2010/main" xmlns:m="http://schemas.openxmlformats.org/officeDocument/2006/math" xmlns="" val="1"/>
+              <ma14:wrappingTextBoxFlag xmlns="" xmlns:m="http://schemas.openxmlformats.org/officeDocument/2006/math" xmlns:a14="http://schemas.microsoft.com/office/drawing/2010/main" xmlns:ma14="http://schemas.microsoft.com/office/mac/drawingml/2011/main" val="1"/>
             </a:ext>
           </a:extLst>
         </p:spPr>
@@ -8427,7 +9029,7 @@
           </a:ln>
           <a:extLst>
             <a:ext uri="{C572A759-6A51-4108-AA02-DFA0A04FC94B}">
-              <ma14:wrappingTextBoxFlag xmlns:ma14="http://schemas.microsoft.com/office/mac/drawingml/2011/main" xmlns:a14="http://schemas.microsoft.com/office/drawing/2010/main" xmlns:m="http://schemas.openxmlformats.org/officeDocument/2006/math" xmlns="" val="1"/>
+              <ma14:wrappingTextBoxFlag xmlns="" xmlns:m="http://schemas.openxmlformats.org/officeDocument/2006/math" xmlns:a14="http://schemas.microsoft.com/office/drawing/2010/main" xmlns:ma14="http://schemas.microsoft.com/office/mac/drawingml/2011/main" val="1"/>
             </a:ext>
           </a:extLst>
         </p:spPr>
@@ -8470,7 +9072,7 @@
           </a:ln>
           <a:extLst>
             <a:ext uri="{C572A759-6A51-4108-AA02-DFA0A04FC94B}">
-              <ma14:wrappingTextBoxFlag xmlns:ma14="http://schemas.microsoft.com/office/mac/drawingml/2011/main" xmlns:a14="http://schemas.microsoft.com/office/drawing/2010/main" xmlns:m="http://schemas.openxmlformats.org/officeDocument/2006/math" xmlns="" val="1"/>
+              <ma14:wrappingTextBoxFlag xmlns="" xmlns:m="http://schemas.openxmlformats.org/officeDocument/2006/math" xmlns:a14="http://schemas.microsoft.com/office/drawing/2010/main" xmlns:ma14="http://schemas.microsoft.com/office/mac/drawingml/2011/main" val="1"/>
             </a:ext>
           </a:extLst>
         </p:spPr>
@@ -8513,7 +9115,7 @@
           </a:ln>
           <a:extLst>
             <a:ext uri="{C572A759-6A51-4108-AA02-DFA0A04FC94B}">
-              <ma14:wrappingTextBoxFlag xmlns:ma14="http://schemas.microsoft.com/office/mac/drawingml/2011/main" xmlns:a14="http://schemas.microsoft.com/office/drawing/2010/main" xmlns:m="http://schemas.openxmlformats.org/officeDocument/2006/math" xmlns="" val="1"/>
+              <ma14:wrappingTextBoxFlag xmlns="" xmlns:m="http://schemas.openxmlformats.org/officeDocument/2006/math" xmlns:a14="http://schemas.microsoft.com/office/drawing/2010/main" xmlns:ma14="http://schemas.microsoft.com/office/mac/drawingml/2011/main" val="1"/>
             </a:ext>
           </a:extLst>
         </p:spPr>
@@ -8556,7 +9158,7 @@
           </a:ln>
           <a:extLst>
             <a:ext uri="{C572A759-6A51-4108-AA02-DFA0A04FC94B}">
-              <ma14:wrappingTextBoxFlag xmlns:ma14="http://schemas.microsoft.com/office/mac/drawingml/2011/main" xmlns:a14="http://schemas.microsoft.com/office/drawing/2010/main" xmlns:m="http://schemas.openxmlformats.org/officeDocument/2006/math" xmlns="" val="1"/>
+              <ma14:wrappingTextBoxFlag xmlns="" xmlns:m="http://schemas.openxmlformats.org/officeDocument/2006/math" xmlns:a14="http://schemas.microsoft.com/office/drawing/2010/main" xmlns:ma14="http://schemas.microsoft.com/office/mac/drawingml/2011/main" val="1"/>
             </a:ext>
           </a:extLst>
         </p:spPr>
@@ -8599,7 +9201,7 @@
           </a:ln>
           <a:extLst>
             <a:ext uri="{C572A759-6A51-4108-AA02-DFA0A04FC94B}">
-              <ma14:wrappingTextBoxFlag xmlns:ma14="http://schemas.microsoft.com/office/mac/drawingml/2011/main" xmlns:a14="http://schemas.microsoft.com/office/drawing/2010/main" xmlns:m="http://schemas.openxmlformats.org/officeDocument/2006/math" xmlns="" val="1"/>
+              <ma14:wrappingTextBoxFlag xmlns="" xmlns:m="http://schemas.openxmlformats.org/officeDocument/2006/math" xmlns:a14="http://schemas.microsoft.com/office/drawing/2010/main" xmlns:ma14="http://schemas.microsoft.com/office/mac/drawingml/2011/main" val="1"/>
             </a:ext>
           </a:extLst>
         </p:spPr>
@@ -8642,7 +9244,7 @@
           </a:ln>
           <a:extLst>
             <a:ext uri="{C572A759-6A51-4108-AA02-DFA0A04FC94B}">
-              <ma14:wrappingTextBoxFlag xmlns:ma14="http://schemas.microsoft.com/office/mac/drawingml/2011/main" xmlns:a14="http://schemas.microsoft.com/office/drawing/2010/main" xmlns:m="http://schemas.openxmlformats.org/officeDocument/2006/math" xmlns="" val="1"/>
+              <ma14:wrappingTextBoxFlag xmlns="" xmlns:m="http://schemas.openxmlformats.org/officeDocument/2006/math" xmlns:a14="http://schemas.microsoft.com/office/drawing/2010/main" xmlns:ma14="http://schemas.microsoft.com/office/mac/drawingml/2011/main" val="1"/>
             </a:ext>
           </a:extLst>
         </p:spPr>
@@ -8871,7 +9473,7 @@
           </a:ln>
           <a:extLst>
             <a:ext uri="{C572A759-6A51-4108-AA02-DFA0A04FC94B}">
-              <ma14:wrappingTextBoxFlag xmlns:ma14="http://schemas.microsoft.com/office/mac/drawingml/2011/main" xmlns:a14="http://schemas.microsoft.com/office/drawing/2010/main" xmlns:m="http://schemas.openxmlformats.org/officeDocument/2006/math" xmlns="" val="1"/>
+              <ma14:wrappingTextBoxFlag xmlns="" xmlns:m="http://schemas.openxmlformats.org/officeDocument/2006/math" xmlns:a14="http://schemas.microsoft.com/office/drawing/2010/main" xmlns:ma14="http://schemas.microsoft.com/office/mac/drawingml/2011/main" val="1"/>
             </a:ext>
           </a:extLst>
         </p:spPr>
@@ -8918,7 +9520,7 @@
           </a:ln>
           <a:extLst>
             <a:ext uri="{C572A759-6A51-4108-AA02-DFA0A04FC94B}">
-              <ma14:wrappingTextBoxFlag xmlns:ma14="http://schemas.microsoft.com/office/mac/drawingml/2011/main" xmlns:a14="http://schemas.microsoft.com/office/drawing/2010/main" xmlns:m="http://schemas.openxmlformats.org/officeDocument/2006/math" xmlns="" val="1"/>
+              <ma14:wrappingTextBoxFlag xmlns="" xmlns:m="http://schemas.openxmlformats.org/officeDocument/2006/math" xmlns:a14="http://schemas.microsoft.com/office/drawing/2010/main" xmlns:ma14="http://schemas.microsoft.com/office/mac/drawingml/2011/main" val="1"/>
             </a:ext>
           </a:extLst>
         </p:spPr>
@@ -8965,7 +9567,7 @@
           </a:ln>
           <a:extLst>
             <a:ext uri="{C572A759-6A51-4108-AA02-DFA0A04FC94B}">
-              <ma14:wrappingTextBoxFlag xmlns:ma14="http://schemas.microsoft.com/office/mac/drawingml/2011/main" xmlns:a14="http://schemas.microsoft.com/office/drawing/2010/main" xmlns:m="http://schemas.openxmlformats.org/officeDocument/2006/math" xmlns="" val="1"/>
+              <ma14:wrappingTextBoxFlag xmlns="" xmlns:m="http://schemas.openxmlformats.org/officeDocument/2006/math" xmlns:a14="http://schemas.microsoft.com/office/drawing/2010/main" xmlns:ma14="http://schemas.microsoft.com/office/mac/drawingml/2011/main" val="1"/>
             </a:ext>
           </a:extLst>
         </p:spPr>
@@ -9012,7 +9614,7 @@
           </a:ln>
           <a:extLst>
             <a:ext uri="{C572A759-6A51-4108-AA02-DFA0A04FC94B}">
-              <ma14:wrappingTextBoxFlag xmlns:ma14="http://schemas.microsoft.com/office/mac/drawingml/2011/main" xmlns:a14="http://schemas.microsoft.com/office/drawing/2010/main" xmlns:m="http://schemas.openxmlformats.org/officeDocument/2006/math" xmlns="" val="1"/>
+              <ma14:wrappingTextBoxFlag xmlns="" xmlns:m="http://schemas.openxmlformats.org/officeDocument/2006/math" xmlns:a14="http://schemas.microsoft.com/office/drawing/2010/main" xmlns:ma14="http://schemas.microsoft.com/office/mac/drawingml/2011/main" val="1"/>
             </a:ext>
           </a:extLst>
         </p:spPr>
@@ -9059,7 +9661,7 @@
           </a:ln>
           <a:extLst>
             <a:ext uri="{C572A759-6A51-4108-AA02-DFA0A04FC94B}">
-              <ma14:wrappingTextBoxFlag xmlns:ma14="http://schemas.microsoft.com/office/mac/drawingml/2011/main" xmlns:a14="http://schemas.microsoft.com/office/drawing/2010/main" xmlns:m="http://schemas.openxmlformats.org/officeDocument/2006/math" xmlns="" val="1"/>
+              <ma14:wrappingTextBoxFlag xmlns="" xmlns:m="http://schemas.openxmlformats.org/officeDocument/2006/math" xmlns:a14="http://schemas.microsoft.com/office/drawing/2010/main" xmlns:ma14="http://schemas.microsoft.com/office/mac/drawingml/2011/main" val="1"/>
             </a:ext>
           </a:extLst>
         </p:spPr>
@@ -9106,7 +9708,7 @@
           </a:ln>
           <a:extLst>
             <a:ext uri="{C572A759-6A51-4108-AA02-DFA0A04FC94B}">
-              <ma14:wrappingTextBoxFlag xmlns:ma14="http://schemas.microsoft.com/office/mac/drawingml/2011/main" xmlns:a14="http://schemas.microsoft.com/office/drawing/2010/main" xmlns:m="http://schemas.openxmlformats.org/officeDocument/2006/math" xmlns="" val="1"/>
+              <ma14:wrappingTextBoxFlag xmlns="" xmlns:m="http://schemas.openxmlformats.org/officeDocument/2006/math" xmlns:a14="http://schemas.microsoft.com/office/drawing/2010/main" xmlns:ma14="http://schemas.microsoft.com/office/mac/drawingml/2011/main" val="1"/>
             </a:ext>
           </a:extLst>
         </p:spPr>
@@ -9153,7 +9755,7 @@
           </a:ln>
           <a:extLst>
             <a:ext uri="{C572A759-6A51-4108-AA02-DFA0A04FC94B}">
-              <ma14:wrappingTextBoxFlag xmlns:ma14="http://schemas.microsoft.com/office/mac/drawingml/2011/main" xmlns:a14="http://schemas.microsoft.com/office/drawing/2010/main" xmlns:m="http://schemas.openxmlformats.org/officeDocument/2006/math" xmlns="" val="1"/>
+              <ma14:wrappingTextBoxFlag xmlns="" xmlns:m="http://schemas.openxmlformats.org/officeDocument/2006/math" xmlns:a14="http://schemas.microsoft.com/office/drawing/2010/main" xmlns:ma14="http://schemas.microsoft.com/office/mac/drawingml/2011/main" val="1"/>
             </a:ext>
           </a:extLst>
         </p:spPr>
@@ -9200,7 +9802,7 @@
           </a:ln>
           <a:extLst>
             <a:ext uri="{C572A759-6A51-4108-AA02-DFA0A04FC94B}">
-              <ma14:wrappingTextBoxFlag xmlns:ma14="http://schemas.microsoft.com/office/mac/drawingml/2011/main" xmlns:a14="http://schemas.microsoft.com/office/drawing/2010/main" xmlns:m="http://schemas.openxmlformats.org/officeDocument/2006/math" xmlns="" val="1"/>
+              <ma14:wrappingTextBoxFlag xmlns="" xmlns:m="http://schemas.openxmlformats.org/officeDocument/2006/math" xmlns:a14="http://schemas.microsoft.com/office/drawing/2010/main" xmlns:ma14="http://schemas.microsoft.com/office/mac/drawingml/2011/main" val="1"/>
             </a:ext>
           </a:extLst>
         </p:spPr>
@@ -9243,7 +9845,7 @@
           </a:ln>
           <a:extLst>
             <a:ext uri="{C572A759-6A51-4108-AA02-DFA0A04FC94B}">
-              <ma14:wrappingTextBoxFlag xmlns:ma14="http://schemas.microsoft.com/office/mac/drawingml/2011/main" xmlns:a14="http://schemas.microsoft.com/office/drawing/2010/main" xmlns:m="http://schemas.openxmlformats.org/officeDocument/2006/math" xmlns="" val="1"/>
+              <ma14:wrappingTextBoxFlag xmlns="" xmlns:m="http://schemas.openxmlformats.org/officeDocument/2006/math" xmlns:a14="http://schemas.microsoft.com/office/drawing/2010/main" xmlns:ma14="http://schemas.microsoft.com/office/mac/drawingml/2011/main" val="1"/>
             </a:ext>
           </a:extLst>
         </p:spPr>
@@ -9286,7 +9888,7 @@
           </a:ln>
           <a:extLst>
             <a:ext uri="{C572A759-6A51-4108-AA02-DFA0A04FC94B}">
-              <ma14:wrappingTextBoxFlag xmlns:ma14="http://schemas.microsoft.com/office/mac/drawingml/2011/main" xmlns:a14="http://schemas.microsoft.com/office/drawing/2010/main" xmlns:m="http://schemas.openxmlformats.org/officeDocument/2006/math" xmlns="" val="1"/>
+              <ma14:wrappingTextBoxFlag xmlns="" xmlns:m="http://schemas.openxmlformats.org/officeDocument/2006/math" xmlns:a14="http://schemas.microsoft.com/office/drawing/2010/main" xmlns:ma14="http://schemas.microsoft.com/office/mac/drawingml/2011/main" val="1"/>
             </a:ext>
           </a:extLst>
         </p:spPr>
@@ -9329,7 +9931,7 @@
           </a:ln>
           <a:extLst>
             <a:ext uri="{C572A759-6A51-4108-AA02-DFA0A04FC94B}">
-              <ma14:wrappingTextBoxFlag xmlns:ma14="http://schemas.microsoft.com/office/mac/drawingml/2011/main" xmlns:a14="http://schemas.microsoft.com/office/drawing/2010/main" xmlns:m="http://schemas.openxmlformats.org/officeDocument/2006/math" xmlns="" val="1"/>
+              <ma14:wrappingTextBoxFlag xmlns="" xmlns:m="http://schemas.openxmlformats.org/officeDocument/2006/math" xmlns:a14="http://schemas.microsoft.com/office/drawing/2010/main" xmlns:ma14="http://schemas.microsoft.com/office/mac/drawingml/2011/main" val="1"/>
             </a:ext>
           </a:extLst>
         </p:spPr>
@@ -9372,7 +9974,7 @@
           </a:ln>
           <a:extLst>
             <a:ext uri="{C572A759-6A51-4108-AA02-DFA0A04FC94B}">
-              <ma14:wrappingTextBoxFlag xmlns:ma14="http://schemas.microsoft.com/office/mac/drawingml/2011/main" xmlns:a14="http://schemas.microsoft.com/office/drawing/2010/main" xmlns:m="http://schemas.openxmlformats.org/officeDocument/2006/math" xmlns="" val="1"/>
+              <ma14:wrappingTextBoxFlag xmlns="" xmlns:m="http://schemas.openxmlformats.org/officeDocument/2006/math" xmlns:a14="http://schemas.microsoft.com/office/drawing/2010/main" xmlns:ma14="http://schemas.microsoft.com/office/mac/drawingml/2011/main" val="1"/>
             </a:ext>
           </a:extLst>
         </p:spPr>
@@ -9415,7 +10017,7 @@
           </a:ln>
           <a:extLst>
             <a:ext uri="{C572A759-6A51-4108-AA02-DFA0A04FC94B}">
-              <ma14:wrappingTextBoxFlag xmlns:ma14="http://schemas.microsoft.com/office/mac/drawingml/2011/main" xmlns:a14="http://schemas.microsoft.com/office/drawing/2010/main" xmlns:m="http://schemas.openxmlformats.org/officeDocument/2006/math" xmlns="" val="1"/>
+              <ma14:wrappingTextBoxFlag xmlns="" xmlns:m="http://schemas.openxmlformats.org/officeDocument/2006/math" xmlns:a14="http://schemas.microsoft.com/office/drawing/2010/main" xmlns:ma14="http://schemas.microsoft.com/office/mac/drawingml/2011/main" val="1"/>
             </a:ext>
           </a:extLst>
         </p:spPr>
@@ -9458,7 +10060,7 @@
           </a:ln>
           <a:extLst>
             <a:ext uri="{C572A759-6A51-4108-AA02-DFA0A04FC94B}">
-              <ma14:wrappingTextBoxFlag xmlns:ma14="http://schemas.microsoft.com/office/mac/drawingml/2011/main" xmlns:a14="http://schemas.microsoft.com/office/drawing/2010/main" xmlns:m="http://schemas.openxmlformats.org/officeDocument/2006/math" xmlns="" val="1"/>
+              <ma14:wrappingTextBoxFlag xmlns="" xmlns:m="http://schemas.openxmlformats.org/officeDocument/2006/math" xmlns:a14="http://schemas.microsoft.com/office/drawing/2010/main" xmlns:ma14="http://schemas.microsoft.com/office/mac/drawingml/2011/main" val="1"/>
             </a:ext>
           </a:extLst>
         </p:spPr>
@@ -9501,7 +10103,7 @@
           </a:ln>
           <a:extLst>
             <a:ext uri="{C572A759-6A51-4108-AA02-DFA0A04FC94B}">
-              <ma14:wrappingTextBoxFlag xmlns:ma14="http://schemas.microsoft.com/office/mac/drawingml/2011/main" xmlns:a14="http://schemas.microsoft.com/office/drawing/2010/main" xmlns:m="http://schemas.openxmlformats.org/officeDocument/2006/math" xmlns="" val="1"/>
+              <ma14:wrappingTextBoxFlag xmlns="" xmlns:m="http://schemas.openxmlformats.org/officeDocument/2006/math" xmlns:a14="http://schemas.microsoft.com/office/drawing/2010/main" xmlns:ma14="http://schemas.microsoft.com/office/mac/drawingml/2011/main" val="1"/>
             </a:ext>
           </a:extLst>
         </p:spPr>
